--- a/ppt/curso-devops-ulpgc-ui.pptx
+++ b/ppt/curso-devops-ulpgc-ui.pptx
@@ -23,7 +23,6 @@
     <p:sldId id="269" r:id="rId18"/>
     <p:sldId id="270" r:id="rId19"/>
     <p:sldId id="271" r:id="rId20"/>
-    <p:sldId id="272" r:id="rId21"/>
   </p:sldIdLst>
   <p:sldSz cx="9144000" cy="5143500"/>
   <p:notesSz cx="7559675" cy="10691812"/>
@@ -4135,7 +4134,7 @@
         <p:spPr>
           <a:xfrm>
             <a:off x="-101880" y="-35280"/>
-            <a:ext cx="9302400" cy="5233680"/>
+            <a:ext cx="9301680" cy="5232960"/>
           </a:xfrm>
           <a:prstGeom prst="rect">
             <a:avLst/>
@@ -4158,7 +4157,7 @@
         <p:spPr>
           <a:xfrm>
             <a:off x="0" y="4851360"/>
-            <a:ext cx="578160" cy="235440"/>
+            <a:ext cx="577440" cy="234720"/>
           </a:xfrm>
           <a:prstGeom prst="rect">
             <a:avLst/>
@@ -4183,7 +4182,7 @@
         <p:spPr>
           <a:xfrm>
             <a:off x="7673040" y="102960"/>
-            <a:ext cx="1401840" cy="621720"/>
+            <a:ext cx="1401120" cy="621000"/>
           </a:xfrm>
           <a:prstGeom prst="rect">
             <a:avLst/>
@@ -4222,13 +4221,7 @@
               <a:rPr b="0" lang="es-ES" sz="4400" spc="-1" strike="noStrike">
                 <a:latin typeface="Arial"/>
               </a:rPr>
-              <a:t>Pulse para editar el formato </a:t>
-            </a:r>
-            <a:r>
-              <a:rPr b="0" lang="es-ES" sz="4400" spc="-1" strike="noStrike">
-                <a:latin typeface="Arial"/>
-              </a:rPr>
-              <a:t>del texto de título</a:t>
+              <a:t>Pulse para editar el formato del texto de título</a:t>
             </a:r>
             <a:endParaRPr b="0" lang="es-ES" sz="4400" spc="-1" strike="noStrike">
               <a:latin typeface="Arial"/>
@@ -4472,7 +4465,7 @@
         <p:spPr>
           <a:xfrm>
             <a:off x="-101880" y="-35280"/>
-            <a:ext cx="9302400" cy="5233680"/>
+            <a:ext cx="9301680" cy="5232960"/>
           </a:xfrm>
           <a:prstGeom prst="rect">
             <a:avLst/>
@@ -4490,13 +4483,13 @@
         </p:nvPicPr>
         <p:blipFill>
           <a:blip r:embed="rId3"/>
-          <a:srcRect l="0" t="19219" r="0" b="19219"/>
+          <a:srcRect l="0" t="19224" r="0" b="19224"/>
           <a:stretch/>
         </p:blipFill>
         <p:spPr>
           <a:xfrm>
             <a:off x="-40680" y="4847760"/>
-            <a:ext cx="617760" cy="251640"/>
+            <a:ext cx="617040" cy="250920"/>
           </a:xfrm>
           <a:prstGeom prst="rect">
             <a:avLst/>
@@ -4521,7 +4514,7 @@
         <p:spPr>
           <a:xfrm>
             <a:off x="7673040" y="102960"/>
-            <a:ext cx="1401840" cy="621720"/>
+            <a:ext cx="1401120" cy="621000"/>
           </a:xfrm>
           <a:prstGeom prst="rect">
             <a:avLst/>
@@ -4820,13 +4813,7 @@
               <a:rPr b="0" lang="es-ES" sz="4400" spc="-1" strike="noStrike">
                 <a:latin typeface="Arial"/>
               </a:rPr>
-              <a:t>Pulse para editar el formato del </a:t>
-            </a:r>
-            <a:r>
-              <a:rPr b="0" lang="es-ES" sz="4400" spc="-1" strike="noStrike">
-                <a:latin typeface="Arial"/>
-              </a:rPr>
-              <a:t>texto de título</a:t>
+              <a:t>Pulse para editar el formato del texto de título</a:t>
             </a:r>
             <a:endParaRPr b="0" lang="es-ES" sz="4400" spc="-1" strike="noStrike">
               <a:latin typeface="Arial"/>
@@ -5059,7 +5046,7 @@
         <p:spPr>
           <a:xfrm>
             <a:off x="661320" y="2964960"/>
-            <a:ext cx="7717680" cy="1644480"/>
+            <a:ext cx="7716960" cy="1643760"/>
           </a:xfrm>
           <a:prstGeom prst="rect">
             <a:avLst/>
@@ -5128,7 +5115,7 @@
         <p:spPr>
           <a:xfrm>
             <a:off x="246600" y="1460520"/>
-            <a:ext cx="4595760" cy="2042640"/>
+            <a:ext cx="4595040" cy="2041920"/>
           </a:xfrm>
           <a:prstGeom prst="rect">
             <a:avLst/>
@@ -5181,7 +5168,7 @@
         <p:spPr>
           <a:xfrm>
             <a:off x="648000" y="1836000"/>
-            <a:ext cx="7988760" cy="1324440"/>
+            <a:ext cx="7988040" cy="1323720"/>
           </a:xfrm>
           <a:prstGeom prst="rect">
             <a:avLst/>
@@ -5215,9 +5202,9 @@
             </a:endParaRPr>
           </a:p>
           <a:p>
-            <a:pPr marL="216000" indent="-212760">
+            <a:pPr marL="216000" indent="-212040">
               <a:lnSpc>
-                <a:spcPct val="150000"/>
+                <a:spcPct val="115000"/>
               </a:lnSpc>
               <a:spcAft>
                 <a:spcPts val="1417"/>
@@ -5226,64 +5213,38 @@
                 <a:srgbClr val="000000"/>
               </a:buClr>
               <a:buFont typeface="Arial"/>
-              <a:buAutoNum type="arabicParenR"/>
+              <a:buChar char="●"/>
             </a:pPr>
             <a:r>
-              <a:rPr b="0" lang="es-ES" sz="1400" spc="-1" strike="noStrike">
+              <a:rPr b="0" lang="es-ES" sz="1300" spc="-1" strike="noStrike">
                 <a:solidFill>
                   <a:srgbClr val="007399"/>
                 </a:solidFill>
                 <a:latin typeface="Raleway Medium"/>
                 <a:ea typeface="Raleway Medium"/>
               </a:rPr>
-              <a:t>Ejecutar el siguiente comando: </a:t>
+              <a:t>Visual Studio Code  →  </a:t>
             </a:r>
             <a:r>
-              <a:rPr b="1" lang="es-ES" sz="1400" spc="-1" strike="noStrike">
+              <a:rPr b="0" lang="es-ES" sz="1300" spc="-1" strike="noStrike" u="sng">
                 <a:solidFill>
-                  <a:srgbClr val="007399"/>
+                  <a:srgbClr val="0000ff"/>
                 </a:solidFill>
+                <a:uFillTx/>
                 <a:latin typeface="Raleway Medium"/>
                 <a:ea typeface="Raleway Medium"/>
+                <a:hlinkClick r:id="rId1"/>
               </a:rPr>
-              <a:t>ionic start</a:t>
+              <a:t>https://code.visualstudio.com</a:t>
             </a:r>
-            <a:endParaRPr b="0" lang="es-ES" sz="1400" spc="-1" strike="noStrike">
-              <a:latin typeface="Arial"/>
-            </a:endParaRPr>
-          </a:p>
-          <a:p>
-            <a:pPr marL="216000" indent="-212760">
+            <a:endParaRPr b="0" lang="es-ES" sz="1300" spc="-1" strike="noStrike">
+              <a:latin typeface="Arial"/>
+            </a:endParaRPr>
+          </a:p>
+          <a:p>
+            <a:pPr lvl="1" marL="432000" indent="-214920">
               <a:lnSpc>
-                <a:spcPct val="150000"/>
-              </a:lnSpc>
-              <a:spcAft>
-                <a:spcPts val="1417"/>
-              </a:spcAft>
-              <a:buClr>
-                <a:srgbClr val="000000"/>
-              </a:buClr>
-              <a:buFont typeface="Arial"/>
-              <a:buAutoNum type="arabicParenR"/>
-            </a:pPr>
-            <a:r>
-              <a:rPr b="0" lang="es-ES" sz="1400" spc="-1" strike="noStrike">
-                <a:solidFill>
-                  <a:srgbClr val="007399"/>
-                </a:solidFill>
-                <a:latin typeface="Raleway Medium"/>
-                <a:ea typeface="Raleway Medium"/>
-              </a:rPr>
-              <a:t>Existen dos formas de crear: </a:t>
-            </a:r>
-            <a:endParaRPr b="0" lang="es-ES" sz="1400" spc="-1" strike="noStrike">
-              <a:latin typeface="Arial"/>
-            </a:endParaRPr>
-          </a:p>
-          <a:p>
-            <a:pPr lvl="1" marL="432000" indent="-215640">
-              <a:lnSpc>
-                <a:spcPct val="150000"/>
+                <a:spcPct val="115000"/>
               </a:lnSpc>
               <a:spcAft>
                 <a:spcPts val="1417"/>
@@ -5296,23 +5257,23 @@
               <a:buChar char=""/>
             </a:pPr>
             <a:r>
-              <a:rPr b="0" lang="es-ES" sz="1400" spc="-1" strike="noStrike">
+              <a:rPr b="0" lang="es-ES" sz="1300" spc="-1" strike="noStrike">
                 <a:solidFill>
                   <a:srgbClr val="007399"/>
                 </a:solidFill>
                 <a:latin typeface="Raleway Medium"/>
                 <a:ea typeface="Raleway Medium"/>
               </a:rPr>
-              <a:t>con un asistente web</a:t>
+              <a:t>Material Icon Theme</a:t>
             </a:r>
-            <a:endParaRPr b="0" lang="es-ES" sz="1400" spc="-1" strike="noStrike">
-              <a:latin typeface="Arial"/>
-            </a:endParaRPr>
-          </a:p>
-          <a:p>
-            <a:pPr lvl="1" marL="432000" indent="-215640">
+            <a:endParaRPr b="0" lang="es-ES" sz="1300" spc="-1" strike="noStrike">
+              <a:latin typeface="Arial"/>
+            </a:endParaRPr>
+          </a:p>
+          <a:p>
+            <a:pPr lvl="1" marL="432000" indent="-214920">
               <a:lnSpc>
-                <a:spcPct val="150000"/>
+                <a:spcPct val="115000"/>
               </a:lnSpc>
               <a:spcAft>
                 <a:spcPts val="1417"/>
@@ -5325,23 +5286,52 @@
               <a:buChar char=""/>
             </a:pPr>
             <a:r>
-              <a:rPr b="0" lang="es-ES" sz="1400" spc="-1" strike="noStrike">
+              <a:rPr b="0" lang="es-ES" sz="1300" spc="-1" strike="noStrike">
                 <a:solidFill>
                   <a:srgbClr val="007399"/>
                 </a:solidFill>
                 <a:latin typeface="Raleway Medium"/>
                 <a:ea typeface="Raleway Medium"/>
               </a:rPr>
-              <a:t>con un asistente en la línea de comandos</a:t>
+              <a:t>Angular Language Service</a:t>
             </a:r>
-            <a:endParaRPr b="0" lang="es-ES" sz="1400" spc="-1" strike="noStrike">
-              <a:latin typeface="Arial"/>
-            </a:endParaRPr>
-          </a:p>
-          <a:p>
-            <a:pPr marL="216000" indent="-212760">
+            <a:endParaRPr b="0" lang="es-ES" sz="1300" spc="-1" strike="noStrike">
+              <a:latin typeface="Arial"/>
+            </a:endParaRPr>
+          </a:p>
+          <a:p>
+            <a:pPr lvl="1" marL="432000" indent="-214920">
               <a:lnSpc>
-                <a:spcPct val="150000"/>
+                <a:spcPct val="115000"/>
+              </a:lnSpc>
+              <a:spcAft>
+                <a:spcPts val="1417"/>
+              </a:spcAft>
+              <a:buClr>
+                <a:srgbClr val="000000"/>
+              </a:buClr>
+              <a:buSzPct val="45000"/>
+              <a:buFont typeface="Wingdings" charset="2"/>
+              <a:buChar char=""/>
+            </a:pPr>
+            <a:r>
+              <a:rPr b="0" lang="es-ES" sz="1300" spc="-1" strike="noStrike">
+                <a:solidFill>
+                  <a:srgbClr val="007399"/>
+                </a:solidFill>
+                <a:latin typeface="Raleway Medium"/>
+                <a:ea typeface="Raleway Medium"/>
+              </a:rPr>
+              <a:t>Angular Snippets</a:t>
+            </a:r>
+            <a:endParaRPr b="0" lang="es-ES" sz="1300" spc="-1" strike="noStrike">
+              <a:latin typeface="Arial"/>
+            </a:endParaRPr>
+          </a:p>
+          <a:p>
+            <a:pPr marL="216000" indent="-212040">
+              <a:lnSpc>
+                <a:spcPct val="115000"/>
               </a:lnSpc>
               <a:spcAft>
                 <a:spcPts val="1417"/>
@@ -5350,52 +5340,175 @@
                 <a:srgbClr val="000000"/>
               </a:buClr>
               <a:buFont typeface="Arial"/>
-              <a:buAutoNum type="arabicParenR"/>
+              <a:buChar char="●"/>
             </a:pPr>
             <a:r>
-              <a:rPr b="0" lang="es-ES" sz="1400" spc="-1" strike="noStrike">
+              <a:rPr b="0" lang="es-ES" sz="1300" spc="-1" strike="noStrike">
                 <a:solidFill>
                   <a:srgbClr val="007399"/>
                 </a:solidFill>
                 <a:latin typeface="Raleway Medium"/>
                 <a:ea typeface="Raleway Medium"/>
               </a:rPr>
-              <a:t>Una vez creado el proyecto, para probarlo hay que acceder a su carpeta y ejecutar el siguiente comando:</a:t>
+              <a:t>NodeJS  →  </a:t>
             </a:r>
-            <a:endParaRPr b="0" lang="es-ES" sz="1400" spc="-1" strike="noStrike">
-              <a:latin typeface="Arial"/>
-            </a:endParaRPr>
-          </a:p>
-          <a:p>
-            <a:pPr>
+            <a:r>
+              <a:rPr b="0" lang="es-ES" sz="1300" spc="-1" strike="noStrike" u="sng">
+                <a:solidFill>
+                  <a:srgbClr val="0000ff"/>
+                </a:solidFill>
+                <a:uFillTx/>
+                <a:latin typeface="Raleway Medium"/>
+                <a:ea typeface="Raleway Medium"/>
+                <a:hlinkClick r:id="rId2"/>
+              </a:rPr>
+              <a:t>https://nodejs.org/es</a:t>
+            </a:r>
+            <a:endParaRPr b="0" lang="es-ES" sz="1300" spc="-1" strike="noStrike">
+              <a:latin typeface="Arial"/>
+            </a:endParaRPr>
+          </a:p>
+          <a:p>
+            <a:pPr marL="216000" indent="-212040">
               <a:lnSpc>
-                <a:spcPct val="150000"/>
+                <a:spcPct val="115000"/>
               </a:lnSpc>
               <a:spcAft>
                 <a:spcPts val="1417"/>
               </a:spcAft>
+              <a:buClr>
+                <a:srgbClr val="000000"/>
+              </a:buClr>
+              <a:buFont typeface="Arial"/>
+              <a:buChar char="●"/>
             </a:pPr>
             <a:r>
-              <a:rPr b="1" lang="es-ES" sz="1400" spc="-1" strike="noStrike">
+              <a:rPr b="0" lang="es-ES" sz="1300" spc="-1" strike="noStrike">
                 <a:solidFill>
                   <a:srgbClr val="007399"/>
                 </a:solidFill>
                 <a:latin typeface="Raleway Medium"/>
                 <a:ea typeface="Raleway Medium"/>
               </a:rPr>
-              <a:t>	</a:t>
+              <a:t>Angular CLI  →  </a:t>
             </a:r>
             <a:r>
-              <a:rPr b="1" lang="es-ES" sz="1400" spc="-1" strike="noStrike">
+              <a:rPr b="1" lang="es-ES" sz="1300" spc="-1" strike="noStrike">
                 <a:solidFill>
                   <a:srgbClr val="007399"/>
                 </a:solidFill>
                 <a:latin typeface="Raleway Medium"/>
                 <a:ea typeface="Raleway Medium"/>
               </a:rPr>
-              <a:t>ionic serve</a:t>
+              <a:t>npm install -g @angular/cli</a:t>
             </a:r>
-            <a:endParaRPr b="0" lang="es-ES" sz="1400" spc="-1" strike="noStrike">
+            <a:endParaRPr b="0" lang="es-ES" sz="1300" spc="-1" strike="noStrike">
+              <a:latin typeface="Arial"/>
+            </a:endParaRPr>
+          </a:p>
+          <a:p>
+            <a:pPr marL="216000" indent="-212040">
+              <a:lnSpc>
+                <a:spcPct val="115000"/>
+              </a:lnSpc>
+              <a:spcAft>
+                <a:spcPts val="1417"/>
+              </a:spcAft>
+              <a:buClr>
+                <a:srgbClr val="000000"/>
+              </a:buClr>
+              <a:buFont typeface="Arial"/>
+              <a:buChar char="●"/>
+            </a:pPr>
+            <a:r>
+              <a:rPr b="0" lang="es-ES" sz="1300" spc="-1" strike="noStrike">
+                <a:solidFill>
+                  <a:srgbClr val="007399"/>
+                </a:solidFill>
+                <a:latin typeface="Raleway Medium"/>
+                <a:ea typeface="Raleway Medium"/>
+              </a:rPr>
+              <a:t>ionic framework  →  </a:t>
+            </a:r>
+            <a:r>
+              <a:rPr b="1" lang="es-ES" sz="1300" spc="-1" strike="noStrike">
+                <a:solidFill>
+                  <a:srgbClr val="007399"/>
+                </a:solidFill>
+                <a:latin typeface="Raleway Medium"/>
+                <a:ea typeface="Raleway Medium"/>
+              </a:rPr>
+              <a:t>npm install -g @ionic/cli</a:t>
+            </a:r>
+            <a:endParaRPr b="0" lang="es-ES" sz="1300" spc="-1" strike="noStrike">
+              <a:latin typeface="Arial"/>
+            </a:endParaRPr>
+          </a:p>
+          <a:p>
+            <a:pPr marL="216000" indent="-212040">
+              <a:lnSpc>
+                <a:spcPct val="115000"/>
+              </a:lnSpc>
+              <a:spcAft>
+                <a:spcPts val="1417"/>
+              </a:spcAft>
+              <a:buClr>
+                <a:srgbClr val="000000"/>
+              </a:buClr>
+              <a:buFont typeface="Arial"/>
+              <a:buChar char="●"/>
+            </a:pPr>
+            <a:r>
+              <a:rPr b="0" lang="es-ES" sz="1300" spc="-1" strike="noStrike">
+                <a:solidFill>
+                  <a:srgbClr val="007399"/>
+                </a:solidFill>
+                <a:latin typeface="Raleway Medium"/>
+                <a:ea typeface="Raleway Medium"/>
+              </a:rPr>
+              <a:t>Android studio  →  </a:t>
+            </a:r>
+            <a:r>
+              <a:rPr b="0" lang="es-ES" sz="1300" spc="-1" strike="noStrike" u="sng">
+                <a:solidFill>
+                  <a:srgbClr val="0000ff"/>
+                </a:solidFill>
+                <a:uFillTx/>
+                <a:latin typeface="Raleway Medium"/>
+                <a:ea typeface="Raleway Medium"/>
+                <a:hlinkClick r:id="rId3"/>
+              </a:rPr>
+              <a:t>https://developer.android.com/studio</a:t>
+            </a:r>
+            <a:endParaRPr b="0" lang="es-ES" sz="1300" spc="-1" strike="noStrike">
+              <a:latin typeface="Arial"/>
+            </a:endParaRPr>
+          </a:p>
+          <a:p>
+            <a:pPr marL="216000" indent="-212040">
+              <a:lnSpc>
+                <a:spcPct val="115000"/>
+              </a:lnSpc>
+              <a:spcAft>
+                <a:spcPts val="1417"/>
+              </a:spcAft>
+              <a:buClr>
+                <a:srgbClr val="000000"/>
+              </a:buClr>
+              <a:buFont typeface="Arial"/>
+              <a:buChar char="●"/>
+            </a:pPr>
+            <a:r>
+              <a:rPr b="0" lang="es-ES" sz="1300" spc="-1" strike="noStrike">
+                <a:solidFill>
+                  <a:srgbClr val="007399"/>
+                </a:solidFill>
+                <a:latin typeface="Raleway Medium"/>
+                <a:ea typeface="Raleway Medium"/>
+              </a:rPr>
+              <a:t>Xcode para el despliegue en iOS</a:t>
+            </a:r>
+            <a:endParaRPr b="0" lang="es-ES" sz="1300" spc="-1" strike="noStrike">
               <a:latin typeface="Arial"/>
             </a:endParaRPr>
           </a:p>
@@ -5410,7 +5523,7 @@
         <p:spPr>
           <a:xfrm>
             <a:off x="354240" y="359280"/>
-            <a:ext cx="7711560" cy="568080"/>
+            <a:ext cx="7710840" cy="567360"/>
           </a:xfrm>
           <a:prstGeom prst="rect">
             <a:avLst/>
@@ -5447,7 +5560,7 @@
                 <a:latin typeface="Century Gothic"/>
                 <a:ea typeface="Arial Black"/>
               </a:rPr>
-              <a:t>Crear proyecto ionic</a:t>
+              <a:t>Instalaciones</a:t>
             </a:r>
             <a:endParaRPr b="0" lang="es-ES" sz="2000" spc="-1" strike="noStrike">
               <a:latin typeface="Arial"/>
@@ -5494,7 +5607,7 @@
         <p:spPr>
           <a:xfrm>
             <a:off x="648000" y="1836000"/>
-            <a:ext cx="7988760" cy="1324440"/>
+            <a:ext cx="7988040" cy="1323720"/>
           </a:xfrm>
           <a:prstGeom prst="rect">
             <a:avLst/>
@@ -5528,20 +5641,7 @@
             </a:endParaRPr>
           </a:p>
           <a:p>
-            <a:pPr>
-              <a:lnSpc>
-                <a:spcPct val="150000"/>
-              </a:lnSpc>
-              <a:spcAft>
-                <a:spcPts val="1417"/>
-              </a:spcAft>
-            </a:pPr>
-            <a:endParaRPr b="0" lang="es-ES" sz="1800" spc="-1" strike="noStrike">
-              <a:latin typeface="Arial"/>
-            </a:endParaRPr>
-          </a:p>
-          <a:p>
-            <a:pPr marL="216000" indent="-212760">
+            <a:pPr marL="216000" indent="-212040">
               <a:lnSpc>
                 <a:spcPct val="150000"/>
               </a:lnSpc>
@@ -5552,7 +5652,7 @@
                 <a:srgbClr val="000000"/>
               </a:buClr>
               <a:buFont typeface="Arial"/>
-              <a:buChar char="●"/>
+              <a:buAutoNum type="arabicParenR"/>
             </a:pPr>
             <a:r>
               <a:rPr b="0" lang="es-ES" sz="1400" spc="-1" strike="noStrike">
@@ -5562,7 +5662,131 @@
                 <a:latin typeface="Raleway Medium"/>
                 <a:ea typeface="Raleway Medium"/>
               </a:rPr>
-              <a:t>Acceder a la ubicación del proyecto ionic: </a:t>
+              <a:t>Ejecutar el siguiente comando: </a:t>
+            </a:r>
+            <a:r>
+              <a:rPr b="1" lang="es-ES" sz="1400" spc="-1" strike="noStrike">
+                <a:solidFill>
+                  <a:srgbClr val="007399"/>
+                </a:solidFill>
+                <a:latin typeface="Raleway Medium"/>
+                <a:ea typeface="Raleway Medium"/>
+              </a:rPr>
+              <a:t>ionic start</a:t>
+            </a:r>
+            <a:endParaRPr b="0" lang="es-ES" sz="1400" spc="-1" strike="noStrike">
+              <a:latin typeface="Arial"/>
+            </a:endParaRPr>
+          </a:p>
+          <a:p>
+            <a:pPr marL="216000" indent="-212040">
+              <a:lnSpc>
+                <a:spcPct val="150000"/>
+              </a:lnSpc>
+              <a:spcAft>
+                <a:spcPts val="1417"/>
+              </a:spcAft>
+              <a:buClr>
+                <a:srgbClr val="000000"/>
+              </a:buClr>
+              <a:buFont typeface="Arial"/>
+              <a:buAutoNum type="arabicParenR"/>
+            </a:pPr>
+            <a:r>
+              <a:rPr b="0" lang="es-ES" sz="1400" spc="-1" strike="noStrike">
+                <a:solidFill>
+                  <a:srgbClr val="007399"/>
+                </a:solidFill>
+                <a:latin typeface="Raleway Medium"/>
+                <a:ea typeface="Raleway Medium"/>
+              </a:rPr>
+              <a:t>Existen dos formas de crear: </a:t>
+            </a:r>
+            <a:endParaRPr b="0" lang="es-ES" sz="1400" spc="-1" strike="noStrike">
+              <a:latin typeface="Arial"/>
+            </a:endParaRPr>
+          </a:p>
+          <a:p>
+            <a:pPr lvl="1" marL="432000" indent="-214920">
+              <a:lnSpc>
+                <a:spcPct val="150000"/>
+              </a:lnSpc>
+              <a:spcAft>
+                <a:spcPts val="1417"/>
+              </a:spcAft>
+              <a:buClr>
+                <a:srgbClr val="000000"/>
+              </a:buClr>
+              <a:buSzPct val="45000"/>
+              <a:buFont typeface="Wingdings" charset="2"/>
+              <a:buChar char=""/>
+            </a:pPr>
+            <a:r>
+              <a:rPr b="0" lang="es-ES" sz="1400" spc="-1" strike="noStrike">
+                <a:solidFill>
+                  <a:srgbClr val="007399"/>
+                </a:solidFill>
+                <a:latin typeface="Raleway Medium"/>
+                <a:ea typeface="Raleway Medium"/>
+              </a:rPr>
+              <a:t>con un asistente web</a:t>
+            </a:r>
+            <a:endParaRPr b="0" lang="es-ES" sz="1400" spc="-1" strike="noStrike">
+              <a:latin typeface="Arial"/>
+            </a:endParaRPr>
+          </a:p>
+          <a:p>
+            <a:pPr lvl="1" marL="432000" indent="-214920">
+              <a:lnSpc>
+                <a:spcPct val="150000"/>
+              </a:lnSpc>
+              <a:spcAft>
+                <a:spcPts val="1417"/>
+              </a:spcAft>
+              <a:buClr>
+                <a:srgbClr val="000000"/>
+              </a:buClr>
+              <a:buSzPct val="45000"/>
+              <a:buFont typeface="Wingdings" charset="2"/>
+              <a:buChar char=""/>
+            </a:pPr>
+            <a:r>
+              <a:rPr b="0" lang="es-ES" sz="1400" spc="-1" strike="noStrike">
+                <a:solidFill>
+                  <a:srgbClr val="007399"/>
+                </a:solidFill>
+                <a:latin typeface="Raleway Medium"/>
+                <a:ea typeface="Raleway Medium"/>
+              </a:rPr>
+              <a:t>con un asistente en la línea de comandos</a:t>
+            </a:r>
+            <a:endParaRPr b="0" lang="es-ES" sz="1400" spc="-1" strike="noStrike">
+              <a:latin typeface="Arial"/>
+            </a:endParaRPr>
+          </a:p>
+          <a:p>
+            <a:pPr marL="216000" indent="-212040">
+              <a:lnSpc>
+                <a:spcPct val="150000"/>
+              </a:lnSpc>
+              <a:spcAft>
+                <a:spcPts val="1417"/>
+              </a:spcAft>
+              <a:buClr>
+                <a:srgbClr val="000000"/>
+              </a:buClr>
+              <a:buFont typeface="Arial"/>
+              <a:buAutoNum type="arabicParenR"/>
+            </a:pPr>
+            <a:r>
+              <a:rPr b="0" lang="es-ES" sz="1400" spc="-1" strike="noStrike">
+                <a:solidFill>
+                  <a:srgbClr val="007399"/>
+                </a:solidFill>
+                <a:latin typeface="Raleway Medium"/>
+                <a:ea typeface="Raleway Medium"/>
+              </a:rPr>
+              <a:t>Una vez creado el proyecto, para probarlo hay que acceder a su carpeta y ejecutar el siguiente comando:</a:t>
             </a:r>
             <a:endParaRPr b="0" lang="es-ES" sz="1400" spc="-1" strike="noStrike">
               <a:latin typeface="Arial"/>
@@ -5578,7 +5802,7 @@
               </a:spcAft>
             </a:pPr>
             <a:r>
-              <a:rPr b="0" lang="es-ES" sz="1400" spc="-1" strike="noStrike">
+              <a:rPr b="1" lang="es-ES" sz="1400" spc="-1" strike="noStrike">
                 <a:solidFill>
                   <a:srgbClr val="007399"/>
                 </a:solidFill>
@@ -5595,82 +5819,8 @@
                 <a:latin typeface="Raleway Medium"/>
                 <a:ea typeface="Raleway Medium"/>
               </a:rPr>
-              <a:t>ionic-app/</a:t>
+              <a:t>ionic serve</a:t>
             </a:r>
-            <a:endParaRPr b="0" lang="es-ES" sz="1400" spc="-1" strike="noStrike">
-              <a:latin typeface="Arial"/>
-            </a:endParaRPr>
-          </a:p>
-          <a:p>
-            <a:pPr marL="216000" indent="-212760">
-              <a:lnSpc>
-                <a:spcPct val="150000"/>
-              </a:lnSpc>
-              <a:spcAft>
-                <a:spcPts val="1417"/>
-              </a:spcAft>
-              <a:buClr>
-                <a:srgbClr val="000000"/>
-              </a:buClr>
-              <a:buFont typeface="Arial"/>
-              <a:buChar char="●"/>
-            </a:pPr>
-            <a:r>
-              <a:rPr b="0" lang="es-ES" sz="1400" spc="-1" strike="noStrike">
-                <a:solidFill>
-                  <a:srgbClr val="007399"/>
-                </a:solidFill>
-                <a:latin typeface="Raleway Medium"/>
-                <a:ea typeface="Raleway Medium"/>
-              </a:rPr>
-              <a:t>Iniciar servicios docker para ionic:</a:t>
-            </a:r>
-            <a:endParaRPr b="0" lang="es-ES" sz="1400" spc="-1" strike="noStrike">
-              <a:latin typeface="Arial"/>
-            </a:endParaRPr>
-          </a:p>
-          <a:p>
-            <a:pPr>
-              <a:lnSpc>
-                <a:spcPct val="150000"/>
-              </a:lnSpc>
-              <a:spcAft>
-                <a:spcPts val="1417"/>
-              </a:spcAft>
-            </a:pPr>
-            <a:r>
-              <a:rPr b="1" lang="es-ES" sz="1400" spc="-1" strike="noStrike">
-                <a:solidFill>
-                  <a:srgbClr val="007399"/>
-                </a:solidFill>
-                <a:latin typeface="Raleway Medium"/>
-                <a:ea typeface="Raleway Medium"/>
-              </a:rPr>
-              <a:t> </a:t>
-            </a:r>
-            <a:r>
-              <a:rPr b="1" lang="es-ES" sz="1400" spc="-1" strike="noStrike">
-                <a:solidFill>
-                  <a:srgbClr val="007399"/>
-                </a:solidFill>
-                <a:latin typeface="Raleway Medium"/>
-                <a:ea typeface="Raleway Medium"/>
-              </a:rPr>
-              <a:t>docker-compose run --rm bookReview-ionic</a:t>
-            </a:r>
-            <a:endParaRPr b="0" lang="es-ES" sz="1400" spc="-1" strike="noStrike">
-              <a:latin typeface="Arial"/>
-            </a:endParaRPr>
-          </a:p>
-          <a:p>
-            <a:pPr>
-              <a:lnSpc>
-                <a:spcPct val="150000"/>
-              </a:lnSpc>
-              <a:spcAft>
-                <a:spcPts val="1417"/>
-              </a:spcAft>
-            </a:pPr>
             <a:endParaRPr b="0" lang="es-ES" sz="1400" spc="-1" strike="noStrike">
               <a:latin typeface="Arial"/>
             </a:endParaRPr>
@@ -5686,7 +5836,7 @@
         <p:spPr>
           <a:xfrm>
             <a:off x="354240" y="359280"/>
-            <a:ext cx="7711560" cy="568080"/>
+            <a:ext cx="7710840" cy="567360"/>
           </a:xfrm>
           <a:prstGeom prst="rect">
             <a:avLst/>
@@ -5723,7 +5873,7 @@
                 <a:latin typeface="Century Gothic"/>
                 <a:ea typeface="Arial Black"/>
               </a:rPr>
-              <a:t>Práctica. Arrancar servicios docker</a:t>
+              <a:t>Práctica. Crear proyecto ionic</a:t>
             </a:r>
             <a:endParaRPr b="0" lang="es-ES" sz="2000" spc="-1" strike="noStrike">
               <a:latin typeface="Arial"/>
@@ -5770,7 +5920,7 @@
         <p:spPr>
           <a:xfrm>
             <a:off x="648000" y="1836000"/>
-            <a:ext cx="7988760" cy="1324440"/>
+            <a:ext cx="7988040" cy="1323720"/>
           </a:xfrm>
           <a:prstGeom prst="rect">
             <a:avLst/>
@@ -5817,7 +5967,7 @@
             </a:endParaRPr>
           </a:p>
           <a:p>
-            <a:pPr marL="216000" indent="-212760">
+            <a:pPr marL="216000" indent="-212040">
               <a:lnSpc>
                 <a:spcPct val="150000"/>
               </a:lnSpc>
@@ -5878,7 +6028,7 @@
             </a:endParaRPr>
           </a:p>
           <a:p>
-            <a:pPr marL="216000" indent="-212760">
+            <a:pPr marL="216000" indent="-212040">
               <a:lnSpc>
                 <a:spcPct val="150000"/>
               </a:lnSpc>
@@ -5962,7 +6112,7 @@
         <p:spPr>
           <a:xfrm>
             <a:off x="354240" y="359280"/>
-            <a:ext cx="7711560" cy="568080"/>
+            <a:ext cx="7710840" cy="567360"/>
           </a:xfrm>
           <a:prstGeom prst="rect">
             <a:avLst/>
@@ -6046,7 +6196,7 @@
         <p:spPr>
           <a:xfrm>
             <a:off x="828000" y="1548000"/>
-            <a:ext cx="7988760" cy="1324440"/>
+            <a:ext cx="7988040" cy="1323720"/>
           </a:xfrm>
           <a:prstGeom prst="rect">
             <a:avLst/>
@@ -6080,7 +6230,7 @@
             </a:endParaRPr>
           </a:p>
           <a:p>
-            <a:pPr marL="216000" indent="-212760">
+            <a:pPr marL="216000" indent="-212040">
               <a:lnSpc>
                 <a:spcPct val="115000"/>
               </a:lnSpc>
@@ -6108,7 +6258,7 @@
             </a:endParaRPr>
           </a:p>
           <a:p>
-            <a:pPr lvl="1" marL="432000" indent="-215640">
+            <a:pPr lvl="1" marL="432000" indent="-214920">
               <a:lnSpc>
                 <a:spcPct val="115000"/>
               </a:lnSpc>
@@ -6137,7 +6287,7 @@
             </a:endParaRPr>
           </a:p>
           <a:p>
-            <a:pPr lvl="1" marL="432000" indent="-215640">
+            <a:pPr lvl="1" marL="432000" indent="-214920">
               <a:lnSpc>
                 <a:spcPct val="115000"/>
               </a:lnSpc>
@@ -6166,7 +6316,7 @@
             </a:endParaRPr>
           </a:p>
           <a:p>
-            <a:pPr marL="216000" indent="-212760">
+            <a:pPr marL="216000" indent="-212040">
               <a:lnSpc>
                 <a:spcPct val="115000"/>
               </a:lnSpc>
@@ -6204,7 +6354,7 @@
             </a:endParaRPr>
           </a:p>
           <a:p>
-            <a:pPr marL="216000" indent="-212760">
+            <a:pPr marL="216000" indent="-212040">
               <a:lnSpc>
                 <a:spcPct val="115000"/>
               </a:lnSpc>
@@ -6265,7 +6415,7 @@
         <p:spPr>
           <a:xfrm>
             <a:off x="354240" y="359280"/>
-            <a:ext cx="7711560" cy="568080"/>
+            <a:ext cx="7710840" cy="567360"/>
           </a:xfrm>
           <a:prstGeom prst="rect">
             <a:avLst/>
@@ -6319,7 +6469,7 @@
         <p:spPr>
           <a:xfrm>
             <a:off x="936000" y="4439520"/>
-            <a:ext cx="7988760" cy="384120"/>
+            <a:ext cx="7988040" cy="383400"/>
           </a:xfrm>
           <a:prstGeom prst="rect">
             <a:avLst/>
@@ -6379,7 +6529,7 @@
         <p:spPr>
           <a:xfrm>
             <a:off x="1440000" y="3245760"/>
-            <a:ext cx="3463560" cy="1217880"/>
+            <a:ext cx="3462840" cy="1217160"/>
           </a:xfrm>
           <a:prstGeom prst="rect">
             <a:avLst/>
@@ -6402,7 +6552,7 @@
         <p:spPr>
           <a:xfrm>
             <a:off x="1440000" y="2592720"/>
-            <a:ext cx="2879640" cy="273600"/>
+            <a:ext cx="2878920" cy="272880"/>
           </a:xfrm>
           <a:prstGeom prst="rect">
             <a:avLst/>
@@ -6451,7 +6601,7 @@
         <p:spPr>
           <a:xfrm>
             <a:off x="318240" y="359280"/>
-            <a:ext cx="7711560" cy="568080"/>
+            <a:ext cx="7710840" cy="567360"/>
           </a:xfrm>
           <a:prstGeom prst="rect">
             <a:avLst/>
@@ -6515,7 +6665,7 @@
         <p:spPr>
           <a:xfrm>
             <a:off x="936000" y="4439520"/>
-            <a:ext cx="7988760" cy="384120"/>
+            <a:ext cx="7988040" cy="383400"/>
           </a:xfrm>
           <a:prstGeom prst="rect">
             <a:avLst/>
@@ -6571,7 +6721,7 @@
         <p:spPr>
           <a:xfrm>
             <a:off x="828000" y="1716840"/>
-            <a:ext cx="7988760" cy="1324440"/>
+            <a:ext cx="7988040" cy="1323720"/>
           </a:xfrm>
           <a:prstGeom prst="rect">
             <a:avLst/>
@@ -6605,7 +6755,7 @@
             </a:endParaRPr>
           </a:p>
           <a:p>
-            <a:pPr marL="216000" indent="-212760">
+            <a:pPr marL="216000" indent="-212040">
               <a:lnSpc>
                 <a:spcPct val="115000"/>
               </a:lnSpc>
@@ -6646,7 +6796,7 @@
             </a:endParaRPr>
           </a:p>
           <a:p>
-            <a:pPr marL="216000" indent="-212760">
+            <a:pPr marL="216000" indent="-212040">
               <a:lnSpc>
                 <a:spcPct val="115000"/>
               </a:lnSpc>
@@ -6707,7 +6857,7 @@
             </a:endParaRPr>
           </a:p>
           <a:p>
-            <a:pPr marL="216000" indent="-212760">
+            <a:pPr marL="216000" indent="-212040">
               <a:lnSpc>
                 <a:spcPct val="115000"/>
               </a:lnSpc>
@@ -6735,7 +6885,7 @@
             </a:endParaRPr>
           </a:p>
           <a:p>
-            <a:pPr lvl="1" marL="432000" indent="-215640">
+            <a:pPr lvl="1" marL="432000" indent="-214920">
               <a:lnSpc>
                 <a:spcPct val="115000"/>
               </a:lnSpc>
@@ -6764,7 +6914,7 @@
             </a:endParaRPr>
           </a:p>
           <a:p>
-            <a:pPr lvl="1" marL="432000" indent="-215640">
+            <a:pPr lvl="1" marL="432000" indent="-214920">
               <a:lnSpc>
                 <a:spcPct val="115000"/>
               </a:lnSpc>
@@ -6793,7 +6943,7 @@
             </a:endParaRPr>
           </a:p>
           <a:p>
-            <a:pPr marL="216000" indent="-212760">
+            <a:pPr marL="216000" indent="-212040">
               <a:lnSpc>
                 <a:spcPct val="115000"/>
               </a:lnSpc>
@@ -6821,7 +6971,7 @@
             </a:endParaRPr>
           </a:p>
           <a:p>
-            <a:pPr lvl="1" marL="432000" indent="-215640">
+            <a:pPr lvl="1" marL="432000" indent="-214920">
               <a:lnSpc>
                 <a:spcPct val="115000"/>
               </a:lnSpc>
@@ -6850,7 +7000,7 @@
             </a:endParaRPr>
           </a:p>
           <a:p>
-            <a:pPr lvl="1" marL="432000" indent="-215640">
+            <a:pPr lvl="1" marL="432000" indent="-214920">
               <a:lnSpc>
                 <a:spcPct val="115000"/>
               </a:lnSpc>
@@ -6879,7 +7029,7 @@
             </a:endParaRPr>
           </a:p>
           <a:p>
-            <a:pPr lvl="1" marL="432000" indent="-215640">
+            <a:pPr lvl="1" marL="432000" indent="-214920">
               <a:lnSpc>
                 <a:spcPct val="115000"/>
               </a:lnSpc>
@@ -6922,7 +7072,7 @@
         <p:spPr>
           <a:xfrm>
             <a:off x="1296000" y="1080000"/>
-            <a:ext cx="2015640" cy="331200"/>
+            <a:ext cx="2014920" cy="330480"/>
           </a:xfrm>
           <a:prstGeom prst="rect">
             <a:avLst/>
@@ -6945,7 +7095,7 @@
         <p:spPr>
           <a:xfrm>
             <a:off x="3456000" y="1080000"/>
-            <a:ext cx="2087640" cy="320400"/>
+            <a:ext cx="2086920" cy="319680"/>
           </a:xfrm>
           <a:prstGeom prst="rect">
             <a:avLst/>
@@ -6994,7 +7144,7 @@
         <p:spPr>
           <a:xfrm>
             <a:off x="648000" y="2124000"/>
-            <a:ext cx="7988760" cy="1324440"/>
+            <a:ext cx="7988040" cy="1323720"/>
           </a:xfrm>
           <a:prstGeom prst="rect">
             <a:avLst/>
@@ -7028,7 +7178,7 @@
             </a:endParaRPr>
           </a:p>
           <a:p>
-            <a:pPr marL="216000" indent="-212760">
+            <a:pPr marL="216000" indent="-212040">
               <a:lnSpc>
                 <a:spcPct val="115000"/>
               </a:lnSpc>
@@ -7069,7 +7219,7 @@
             </a:endParaRPr>
           </a:p>
           <a:p>
-            <a:pPr marL="216000" indent="-212760">
+            <a:pPr marL="216000" indent="-212040">
               <a:lnSpc>
                 <a:spcPct val="115000"/>
               </a:lnSpc>
@@ -7097,7 +7247,7 @@
             </a:endParaRPr>
           </a:p>
           <a:p>
-            <a:pPr marL="216000" indent="-212760">
+            <a:pPr marL="216000" indent="-212040">
               <a:lnSpc>
                 <a:spcPct val="115000"/>
               </a:lnSpc>
@@ -7125,7 +7275,7 @@
             </a:endParaRPr>
           </a:p>
           <a:p>
-            <a:pPr marL="216000" indent="-212760">
+            <a:pPr marL="216000" indent="-212040">
               <a:lnSpc>
                 <a:spcPct val="115000"/>
               </a:lnSpc>
@@ -7166,7 +7316,7 @@
             </a:endParaRPr>
           </a:p>
           <a:p>
-            <a:pPr marL="216000" indent="-212760">
+            <a:pPr marL="216000" indent="-212040">
               <a:lnSpc>
                 <a:spcPct val="115000"/>
               </a:lnSpc>
@@ -7207,7 +7357,7 @@
             </a:endParaRPr>
           </a:p>
           <a:p>
-            <a:pPr marL="216000" indent="-212760">
+            <a:pPr marL="216000" indent="-212040">
               <a:lnSpc>
                 <a:spcPct val="115000"/>
               </a:lnSpc>
@@ -7258,7 +7408,7 @@
         <p:spPr>
           <a:xfrm>
             <a:off x="354240" y="359280"/>
-            <a:ext cx="7711560" cy="568080"/>
+            <a:ext cx="7710840" cy="567360"/>
           </a:xfrm>
           <a:prstGeom prst="rect">
             <a:avLst/>
@@ -7316,7 +7466,7 @@
         <p:spPr>
           <a:xfrm>
             <a:off x="1152000" y="1540080"/>
-            <a:ext cx="1871640" cy="367560"/>
+            <a:ext cx="1870920" cy="366840"/>
           </a:xfrm>
           <a:prstGeom prst="rect">
             <a:avLst/>
@@ -7339,7 +7489,7 @@
         <p:spPr>
           <a:xfrm>
             <a:off x="1296000" y="3079800"/>
-            <a:ext cx="1871640" cy="303840"/>
+            <a:ext cx="1870920" cy="303120"/>
           </a:xfrm>
           <a:prstGeom prst="rect">
             <a:avLst/>
@@ -7362,7 +7512,7 @@
         <p:spPr>
           <a:xfrm>
             <a:off x="3463200" y="3060000"/>
-            <a:ext cx="1647720" cy="359640"/>
+            <a:ext cx="1647000" cy="358920"/>
           </a:xfrm>
           <a:prstGeom prst="rect">
             <a:avLst/>
@@ -7385,7 +7535,7 @@
         <p:spPr>
           <a:xfrm>
             <a:off x="1296000" y="3721680"/>
-            <a:ext cx="2007360" cy="453960"/>
+            <a:ext cx="2006640" cy="453240"/>
           </a:xfrm>
           <a:prstGeom prst="rect">
             <a:avLst/>
@@ -7404,7 +7554,7 @@
         <p:spPr>
           <a:xfrm>
             <a:off x="936000" y="4439520"/>
-            <a:ext cx="7988760" cy="384120"/>
+            <a:ext cx="7988040" cy="383400"/>
           </a:xfrm>
           <a:prstGeom prst="rect">
             <a:avLst/>
@@ -7490,9 +7640,9 @@
         <p:grpSpPr>
           <a:xfrm>
             <a:off x="2310480" y="1379880"/>
-            <a:ext cx="4511880" cy="994320"/>
+            <a:ext cx="4511160" cy="993600"/>
             <a:chOff x="2310480" y="1379880"/>
-            <a:chExt cx="4511880" cy="994320"/>
+            <a:chExt cx="4511160" cy="993600"/>
           </a:xfrm>
         </p:grpSpPr>
         <p:grpSp>
@@ -7504,9 +7654,9 @@
           <p:grpSpPr>
             <a:xfrm>
               <a:off x="2310480" y="1524240"/>
-              <a:ext cx="784080" cy="789480"/>
+              <a:ext cx="783360" cy="788760"/>
               <a:chOff x="2310480" y="1524240"/>
-              <a:chExt cx="784080" cy="789480"/>
+              <a:chExt cx="783360" cy="788760"/>
             </a:xfrm>
           </p:grpSpPr>
           <p:sp>
@@ -7518,7 +7668,7 @@
             <p:spPr>
               <a:xfrm>
                 <a:off x="2310480" y="1524240"/>
-                <a:ext cx="656640" cy="630000"/>
+                <a:ext cx="655920" cy="629280"/>
               </a:xfrm>
               <a:custGeom>
                 <a:avLst/>
@@ -7599,7 +7749,7 @@
             <p:spPr>
               <a:xfrm>
                 <a:off x="2435760" y="1675440"/>
-                <a:ext cx="658800" cy="638280"/>
+                <a:ext cx="658080" cy="637560"/>
               </a:xfrm>
               <a:custGeom>
                 <a:avLst/>
@@ -7672,7 +7822,7 @@
           <p:spPr>
             <a:xfrm>
               <a:off x="2400480" y="1379880"/>
-              <a:ext cx="4421880" cy="994320"/>
+              <a:ext cx="4421160" cy="993600"/>
             </a:xfrm>
             <a:prstGeom prst="rect">
               <a:avLst/>
@@ -7724,9 +7874,9 @@
         <p:grpSpPr>
           <a:xfrm>
             <a:off x="457200" y="3484800"/>
-            <a:ext cx="3036960" cy="1206720"/>
+            <a:ext cx="3036240" cy="1206000"/>
             <a:chOff x="457200" y="3484800"/>
-            <a:chExt cx="3036960" cy="1206720"/>
+            <a:chExt cx="3036240" cy="1206000"/>
           </a:xfrm>
         </p:grpSpPr>
         <p:sp>
@@ -7738,7 +7888,7 @@
           <p:spPr>
             <a:xfrm>
               <a:off x="457200" y="4281480"/>
-              <a:ext cx="3036960" cy="410040"/>
+              <a:ext cx="3036240" cy="409320"/>
             </a:xfrm>
             <a:prstGeom prst="rect">
               <a:avLst/>
@@ -7795,7 +7945,7 @@
           <p:spPr>
             <a:xfrm>
               <a:off x="924480" y="3484800"/>
-              <a:ext cx="2161440" cy="984240"/>
+              <a:ext cx="2160720" cy="983520"/>
             </a:xfrm>
             <a:prstGeom prst="rect">
               <a:avLst/>
@@ -7815,9 +7965,9 @@
         <p:grpSpPr>
           <a:xfrm>
             <a:off x="5512680" y="3684240"/>
-            <a:ext cx="3036960" cy="1003320"/>
+            <a:ext cx="3036240" cy="1002600"/>
             <a:chOff x="5512680" y="3684240"/>
-            <a:chExt cx="3036960" cy="1003320"/>
+            <a:chExt cx="3036240" cy="1002600"/>
           </a:xfrm>
         </p:grpSpPr>
         <p:pic>
@@ -7835,7 +7985,7 @@
           <p:spPr>
             <a:xfrm>
               <a:off x="6446520" y="3684240"/>
-              <a:ext cx="1169280" cy="496440"/>
+              <a:ext cx="1168560" cy="495720"/>
             </a:xfrm>
             <a:prstGeom prst="rect">
               <a:avLst/>
@@ -7854,7 +8004,7 @@
           <p:spPr>
             <a:xfrm>
               <a:off x="5512680" y="4277520"/>
-              <a:ext cx="3036960" cy="410040"/>
+              <a:ext cx="3036240" cy="409320"/>
             </a:xfrm>
             <a:prstGeom prst="rect">
               <a:avLst/>
@@ -8205,445 +8355,6 @@
 </p:sld>
 </file>
 
-<file path=ppt/slides/slide17.xml><?xml version="1.0" encoding="utf-8"?>
-<p:sld xmlns:a="http://schemas.openxmlformats.org/drawingml/2006/main" xmlns:p="http://schemas.openxmlformats.org/presentationml/2006/main" xmlns:r="http://schemas.openxmlformats.org/officeDocument/2006/relationships" xmlns:p14="http://schemas.microsoft.com/office/powerpoint/2010/main" xmlns:p15="http://schemas.microsoft.com/office/powerpoint/2012/main" xmlns:mc="http://schemas.openxmlformats.org/markup-compatibility/2006">
-  <p:cSld>
-    <p:spTree>
-      <p:nvGrpSpPr>
-        <p:cNvPr id="1" name=""/>
-        <p:cNvGrpSpPr/>
-        <p:nvPr/>
-      </p:nvGrpSpPr>
-      <p:grpSpPr>
-        <a:xfrm>
-          <a:off x="0" y="0"/>
-          <a:ext cx="0" cy="0"/>
-          <a:chOff x="0" y="0"/>
-          <a:chExt cx="0" cy="0"/>
-        </a:xfrm>
-      </p:grpSpPr>
-      <p:sp>
-        <p:nvSpPr>
-          <p:cNvPr id="217" name="CustomShape 1"/>
-          <p:cNvSpPr/>
-          <p:nvPr/>
-        </p:nvSpPr>
-        <p:spPr>
-          <a:xfrm>
-            <a:off x="648000" y="1836000"/>
-            <a:ext cx="7988760" cy="1324440"/>
-          </a:xfrm>
-          <a:prstGeom prst="rect">
-            <a:avLst/>
-          </a:prstGeom>
-          <a:noFill/>
-          <a:ln>
-            <a:noFill/>
-          </a:ln>
-        </p:spPr>
-        <p:style>
-          <a:lnRef idx="0"/>
-          <a:fillRef idx="0"/>
-          <a:effectRef idx="0"/>
-          <a:fontRef idx="minor"/>
-        </p:style>
-        <p:txBody>
-          <a:bodyPr lIns="90000" rIns="90000" tIns="91440" bIns="91440" anchor="ctr">
-            <a:noAutofit/>
-          </a:bodyPr>
-          <a:p>
-            <a:pPr>
-              <a:lnSpc>
-                <a:spcPct val="150000"/>
-              </a:lnSpc>
-              <a:spcAft>
-                <a:spcPts val="1417"/>
-              </a:spcAft>
-            </a:pPr>
-            <a:endParaRPr b="0" lang="es-ES" sz="1800" spc="-1" strike="noStrike">
-              <a:latin typeface="Arial"/>
-            </a:endParaRPr>
-          </a:p>
-          <a:p>
-            <a:pPr marL="216000" indent="-212760">
-              <a:lnSpc>
-                <a:spcPct val="115000"/>
-              </a:lnSpc>
-              <a:spcAft>
-                <a:spcPts val="1417"/>
-              </a:spcAft>
-              <a:buClr>
-                <a:srgbClr val="000000"/>
-              </a:buClr>
-              <a:buFont typeface="Arial"/>
-              <a:buChar char="●"/>
-            </a:pPr>
-            <a:r>
-              <a:rPr b="0" lang="es-ES" sz="1300" spc="-1" strike="noStrike">
-                <a:solidFill>
-                  <a:srgbClr val="007399"/>
-                </a:solidFill>
-                <a:latin typeface="Raleway Medium"/>
-                <a:ea typeface="Raleway Medium"/>
-              </a:rPr>
-              <a:t>Visual Studio Code  →  </a:t>
-            </a:r>
-            <a:r>
-              <a:rPr b="0" lang="es-ES" sz="1300" spc="-1" strike="noStrike" u="sng">
-                <a:solidFill>
-                  <a:srgbClr val="0000ff"/>
-                </a:solidFill>
-                <a:uFillTx/>
-                <a:latin typeface="Raleway Medium"/>
-                <a:ea typeface="Raleway Medium"/>
-                <a:hlinkClick r:id="rId1"/>
-              </a:rPr>
-              <a:t>https://code.visualstudio.com</a:t>
-            </a:r>
-            <a:endParaRPr b="0" lang="es-ES" sz="1300" spc="-1" strike="noStrike">
-              <a:latin typeface="Arial"/>
-            </a:endParaRPr>
-          </a:p>
-          <a:p>
-            <a:pPr lvl="1" marL="432000" indent="-215640">
-              <a:lnSpc>
-                <a:spcPct val="115000"/>
-              </a:lnSpc>
-              <a:spcAft>
-                <a:spcPts val="1417"/>
-              </a:spcAft>
-              <a:buClr>
-                <a:srgbClr val="000000"/>
-              </a:buClr>
-              <a:buSzPct val="45000"/>
-              <a:buFont typeface="Wingdings" charset="2"/>
-              <a:buChar char=""/>
-            </a:pPr>
-            <a:r>
-              <a:rPr b="0" lang="es-ES" sz="1300" spc="-1" strike="noStrike">
-                <a:solidFill>
-                  <a:srgbClr val="007399"/>
-                </a:solidFill>
-                <a:latin typeface="Raleway Medium"/>
-                <a:ea typeface="Raleway Medium"/>
-              </a:rPr>
-              <a:t>Material Icon Theme</a:t>
-            </a:r>
-            <a:endParaRPr b="0" lang="es-ES" sz="1300" spc="-1" strike="noStrike">
-              <a:latin typeface="Arial"/>
-            </a:endParaRPr>
-          </a:p>
-          <a:p>
-            <a:pPr lvl="1" marL="432000" indent="-215640">
-              <a:lnSpc>
-                <a:spcPct val="115000"/>
-              </a:lnSpc>
-              <a:spcAft>
-                <a:spcPts val="1417"/>
-              </a:spcAft>
-              <a:buClr>
-                <a:srgbClr val="000000"/>
-              </a:buClr>
-              <a:buSzPct val="45000"/>
-              <a:buFont typeface="Wingdings" charset="2"/>
-              <a:buChar char=""/>
-            </a:pPr>
-            <a:r>
-              <a:rPr b="0" lang="es-ES" sz="1300" spc="-1" strike="noStrike">
-                <a:solidFill>
-                  <a:srgbClr val="007399"/>
-                </a:solidFill>
-                <a:latin typeface="Raleway Medium"/>
-                <a:ea typeface="Raleway Medium"/>
-              </a:rPr>
-              <a:t>Angular Language Service</a:t>
-            </a:r>
-            <a:endParaRPr b="0" lang="es-ES" sz="1300" spc="-1" strike="noStrike">
-              <a:latin typeface="Arial"/>
-            </a:endParaRPr>
-          </a:p>
-          <a:p>
-            <a:pPr lvl="1" marL="432000" indent="-215640">
-              <a:lnSpc>
-                <a:spcPct val="115000"/>
-              </a:lnSpc>
-              <a:spcAft>
-                <a:spcPts val="1417"/>
-              </a:spcAft>
-              <a:buClr>
-                <a:srgbClr val="000000"/>
-              </a:buClr>
-              <a:buSzPct val="45000"/>
-              <a:buFont typeface="Wingdings" charset="2"/>
-              <a:buChar char=""/>
-            </a:pPr>
-            <a:r>
-              <a:rPr b="0" lang="es-ES" sz="1300" spc="-1" strike="noStrike">
-                <a:solidFill>
-                  <a:srgbClr val="007399"/>
-                </a:solidFill>
-                <a:latin typeface="Raleway Medium"/>
-                <a:ea typeface="Raleway Medium"/>
-              </a:rPr>
-              <a:t>Angular Snippets</a:t>
-            </a:r>
-            <a:endParaRPr b="0" lang="es-ES" sz="1300" spc="-1" strike="noStrike">
-              <a:latin typeface="Arial"/>
-            </a:endParaRPr>
-          </a:p>
-          <a:p>
-            <a:pPr marL="216000" indent="-212760">
-              <a:lnSpc>
-                <a:spcPct val="115000"/>
-              </a:lnSpc>
-              <a:spcAft>
-                <a:spcPts val="1417"/>
-              </a:spcAft>
-              <a:buClr>
-                <a:srgbClr val="000000"/>
-              </a:buClr>
-              <a:buFont typeface="Arial"/>
-              <a:buChar char="●"/>
-            </a:pPr>
-            <a:r>
-              <a:rPr b="0" lang="es-ES" sz="1300" spc="-1" strike="noStrike">
-                <a:solidFill>
-                  <a:srgbClr val="007399"/>
-                </a:solidFill>
-                <a:latin typeface="Raleway Medium"/>
-                <a:ea typeface="Raleway Medium"/>
-              </a:rPr>
-              <a:t>NodeJS  →  </a:t>
-            </a:r>
-            <a:r>
-              <a:rPr b="0" lang="es-ES" sz="1300" spc="-1" strike="noStrike" u="sng">
-                <a:solidFill>
-                  <a:srgbClr val="0000ff"/>
-                </a:solidFill>
-                <a:uFillTx/>
-                <a:latin typeface="Raleway Medium"/>
-                <a:ea typeface="Raleway Medium"/>
-                <a:hlinkClick r:id="rId2"/>
-              </a:rPr>
-              <a:t>https://nodejs.org/es</a:t>
-            </a:r>
-            <a:endParaRPr b="0" lang="es-ES" sz="1300" spc="-1" strike="noStrike">
-              <a:latin typeface="Arial"/>
-            </a:endParaRPr>
-          </a:p>
-          <a:p>
-            <a:pPr marL="216000" indent="-212760">
-              <a:lnSpc>
-                <a:spcPct val="115000"/>
-              </a:lnSpc>
-              <a:spcAft>
-                <a:spcPts val="1417"/>
-              </a:spcAft>
-              <a:buClr>
-                <a:srgbClr val="000000"/>
-              </a:buClr>
-              <a:buFont typeface="Arial"/>
-              <a:buChar char="●"/>
-            </a:pPr>
-            <a:r>
-              <a:rPr b="0" lang="es-ES" sz="1300" spc="-1" strike="noStrike">
-                <a:solidFill>
-                  <a:srgbClr val="007399"/>
-                </a:solidFill>
-                <a:latin typeface="Raleway Medium"/>
-                <a:ea typeface="Raleway Medium"/>
-              </a:rPr>
-              <a:t>Angular CLI  →  </a:t>
-            </a:r>
-            <a:r>
-              <a:rPr b="1" lang="es-ES" sz="1300" spc="-1" strike="noStrike">
-                <a:solidFill>
-                  <a:srgbClr val="007399"/>
-                </a:solidFill>
-                <a:latin typeface="Raleway Medium"/>
-                <a:ea typeface="Raleway Medium"/>
-              </a:rPr>
-              <a:t>npm install -g @angular/cli</a:t>
-            </a:r>
-            <a:endParaRPr b="0" lang="es-ES" sz="1300" spc="-1" strike="noStrike">
-              <a:latin typeface="Arial"/>
-            </a:endParaRPr>
-          </a:p>
-          <a:p>
-            <a:pPr marL="216000" indent="-212760">
-              <a:lnSpc>
-                <a:spcPct val="115000"/>
-              </a:lnSpc>
-              <a:spcAft>
-                <a:spcPts val="1417"/>
-              </a:spcAft>
-              <a:buClr>
-                <a:srgbClr val="000000"/>
-              </a:buClr>
-              <a:buFont typeface="Arial"/>
-              <a:buChar char="●"/>
-            </a:pPr>
-            <a:r>
-              <a:rPr b="0" lang="es-ES" sz="1300" spc="-1" strike="noStrike">
-                <a:solidFill>
-                  <a:srgbClr val="007399"/>
-                </a:solidFill>
-                <a:latin typeface="Raleway Medium"/>
-                <a:ea typeface="Raleway Medium"/>
-              </a:rPr>
-              <a:t>ionic framework  →  </a:t>
-            </a:r>
-            <a:r>
-              <a:rPr b="1" lang="es-ES" sz="1300" spc="-1" strike="noStrike">
-                <a:solidFill>
-                  <a:srgbClr val="007399"/>
-                </a:solidFill>
-                <a:latin typeface="Raleway Medium"/>
-                <a:ea typeface="Raleway Medium"/>
-              </a:rPr>
-              <a:t>npm install -g @ionic/cli</a:t>
-            </a:r>
-            <a:endParaRPr b="0" lang="es-ES" sz="1300" spc="-1" strike="noStrike">
-              <a:latin typeface="Arial"/>
-            </a:endParaRPr>
-          </a:p>
-          <a:p>
-            <a:pPr marL="216000" indent="-212760">
-              <a:lnSpc>
-                <a:spcPct val="115000"/>
-              </a:lnSpc>
-              <a:spcAft>
-                <a:spcPts val="1417"/>
-              </a:spcAft>
-              <a:buClr>
-                <a:srgbClr val="000000"/>
-              </a:buClr>
-              <a:buFont typeface="Arial"/>
-              <a:buChar char="●"/>
-            </a:pPr>
-            <a:r>
-              <a:rPr b="0" lang="es-ES" sz="1300" spc="-1" strike="noStrike">
-                <a:solidFill>
-                  <a:srgbClr val="007399"/>
-                </a:solidFill>
-                <a:latin typeface="Raleway Medium"/>
-                <a:ea typeface="Raleway Medium"/>
-              </a:rPr>
-              <a:t>Android studio  →  </a:t>
-            </a:r>
-            <a:r>
-              <a:rPr b="0" lang="es-ES" sz="1300" spc="-1" strike="noStrike" u="sng">
-                <a:solidFill>
-                  <a:srgbClr val="0000ff"/>
-                </a:solidFill>
-                <a:uFillTx/>
-                <a:latin typeface="Raleway Medium"/>
-                <a:ea typeface="Raleway Medium"/>
-                <a:hlinkClick r:id="rId3"/>
-              </a:rPr>
-              <a:t>https://developer.android.com/studio</a:t>
-            </a:r>
-            <a:endParaRPr b="0" lang="es-ES" sz="1300" spc="-1" strike="noStrike">
-              <a:latin typeface="Arial"/>
-            </a:endParaRPr>
-          </a:p>
-          <a:p>
-            <a:pPr marL="216000" indent="-212760">
-              <a:lnSpc>
-                <a:spcPct val="115000"/>
-              </a:lnSpc>
-              <a:spcAft>
-                <a:spcPts val="1417"/>
-              </a:spcAft>
-              <a:buClr>
-                <a:srgbClr val="000000"/>
-              </a:buClr>
-              <a:buFont typeface="Arial"/>
-              <a:buChar char="●"/>
-            </a:pPr>
-            <a:r>
-              <a:rPr b="0" lang="es-ES" sz="1300" spc="-1" strike="noStrike">
-                <a:solidFill>
-                  <a:srgbClr val="007399"/>
-                </a:solidFill>
-                <a:latin typeface="Raleway Medium"/>
-                <a:ea typeface="Raleway Medium"/>
-              </a:rPr>
-              <a:t>Xcode para el despliegue en iOS</a:t>
-            </a:r>
-            <a:endParaRPr b="0" lang="es-ES" sz="1300" spc="-1" strike="noStrike">
-              <a:latin typeface="Arial"/>
-            </a:endParaRPr>
-          </a:p>
-        </p:txBody>
-      </p:sp>
-      <p:sp>
-        <p:nvSpPr>
-          <p:cNvPr id="218" name="CustomShape 2"/>
-          <p:cNvSpPr/>
-          <p:nvPr/>
-        </p:nvSpPr>
-        <p:spPr>
-          <a:xfrm>
-            <a:off x="354240" y="359280"/>
-            <a:ext cx="7711560" cy="568080"/>
-          </a:xfrm>
-          <a:prstGeom prst="rect">
-            <a:avLst/>
-          </a:prstGeom>
-          <a:noFill/>
-          <a:ln>
-            <a:noFill/>
-          </a:ln>
-        </p:spPr>
-        <p:style>
-          <a:lnRef idx="0"/>
-          <a:fillRef idx="0"/>
-          <a:effectRef idx="0"/>
-          <a:fontRef idx="minor"/>
-        </p:style>
-        <p:txBody>
-          <a:bodyPr lIns="90000" rIns="90000" tIns="91440" bIns="91440">
-            <a:noAutofit/>
-          </a:bodyPr>
-          <a:p>
-            <a:pPr algn="ctr">
-              <a:lnSpc>
-                <a:spcPct val="100000"/>
-              </a:lnSpc>
-              <a:tabLst>
-                <a:tab algn="l" pos="0"/>
-              </a:tabLst>
-            </a:pPr>
-            <a:r>
-              <a:rPr b="1" lang="en" sz="2000" spc="-1" strike="noStrike">
-                <a:solidFill>
-                  <a:srgbClr val="007399"/>
-                </a:solidFill>
-                <a:latin typeface="Century Gothic"/>
-                <a:ea typeface="Arial Black"/>
-              </a:rPr>
-              <a:t>Instalaciones</a:t>
-            </a:r>
-            <a:endParaRPr b="0" lang="es-ES" sz="2000" spc="-1" strike="noStrike">
-              <a:latin typeface="Arial"/>
-            </a:endParaRPr>
-          </a:p>
-        </p:txBody>
-      </p:sp>
-    </p:spTree>
-  </p:cSld>
-  <mc:AlternateContent>
-    <mc:Choice Requires="p14">
-      <p:transition spd="slow" p14:dur="2000"/>
-    </mc:Choice>
-    <mc:Fallback>
-      <p:transition spd="slow"/>
-    </mc:Fallback>
-  </mc:AlternateContent>
-</p:sld>
-</file>
-
 <file path=ppt/slides/slide2.xml><?xml version="1.0" encoding="utf-8"?>
 <p:sld xmlns:a="http://schemas.openxmlformats.org/drawingml/2006/main" xmlns:p="http://schemas.openxmlformats.org/presentationml/2006/main" xmlns:r="http://schemas.openxmlformats.org/officeDocument/2006/relationships" xmlns:p14="http://schemas.microsoft.com/office/powerpoint/2010/main" xmlns:p15="http://schemas.microsoft.com/office/powerpoint/2012/main" xmlns:mc="http://schemas.openxmlformats.org/markup-compatibility/2006">
   <p:cSld>
@@ -8670,7 +8381,7 @@
         <p:spPr>
           <a:xfrm>
             <a:off x="714240" y="358920"/>
-            <a:ext cx="7711560" cy="568080"/>
+            <a:ext cx="7710840" cy="567360"/>
           </a:xfrm>
           <a:prstGeom prst="rect">
             <a:avLst/>
@@ -8724,7 +8435,7 @@
         <p:spPr>
           <a:xfrm>
             <a:off x="648000" y="540000"/>
-            <a:ext cx="6334920" cy="1324440"/>
+            <a:ext cx="6334200" cy="1323720"/>
           </a:xfrm>
           <a:prstGeom prst="rect">
             <a:avLst/>
@@ -8778,9 +8489,9 @@
         <p:grpSpPr>
           <a:xfrm>
             <a:off x="720000" y="1428840"/>
-            <a:ext cx="7061760" cy="869040"/>
+            <a:ext cx="7061040" cy="868320"/>
             <a:chOff x="720000" y="1428840"/>
-            <a:chExt cx="7061760" cy="869040"/>
+            <a:chExt cx="7061040" cy="868320"/>
           </a:xfrm>
         </p:grpSpPr>
         <p:pic>
@@ -8796,7 +8507,7 @@
           <p:spPr>
             <a:xfrm>
               <a:off x="6774840" y="1460160"/>
-              <a:ext cx="1006920" cy="837720"/>
+              <a:ext cx="1006200" cy="837000"/>
             </a:xfrm>
             <a:prstGeom prst="rect">
               <a:avLst/>
@@ -8815,7 +8526,7 @@
           <p:spPr>
             <a:xfrm>
               <a:off x="720000" y="1428840"/>
-              <a:ext cx="6334920" cy="658080"/>
+              <a:ext cx="6334200" cy="657360"/>
             </a:xfrm>
             <a:prstGeom prst="rect">
               <a:avLst/>
@@ -8849,7 +8560,7 @@
               </a:endParaRPr>
             </a:p>
             <a:p>
-              <a:pPr marL="216000" indent="-212760">
+              <a:pPr marL="216000" indent="-212040">
                 <a:lnSpc>
                   <a:spcPct val="150000"/>
                 </a:lnSpc>
@@ -8898,9 +8609,9 @@
         <p:grpSpPr>
           <a:xfrm>
             <a:off x="720000" y="2443680"/>
-            <a:ext cx="6766920" cy="840960"/>
+            <a:ext cx="6766200" cy="840240"/>
             <a:chOff x="720000" y="2443680"/>
-            <a:chExt cx="6766920" cy="840960"/>
+            <a:chExt cx="6766200" cy="840240"/>
           </a:xfrm>
         </p:grpSpPr>
         <p:pic>
@@ -8916,7 +8627,7 @@
           <p:spPr>
             <a:xfrm>
               <a:off x="7056000" y="2448000"/>
-              <a:ext cx="430920" cy="836640"/>
+              <a:ext cx="430200" cy="835920"/>
             </a:xfrm>
             <a:prstGeom prst="rect">
               <a:avLst/>
@@ -8935,7 +8646,7 @@
           <p:spPr>
             <a:xfrm>
               <a:off x="720000" y="2443680"/>
-              <a:ext cx="6334920" cy="658080"/>
+              <a:ext cx="6334200" cy="657360"/>
             </a:xfrm>
             <a:prstGeom prst="rect">
               <a:avLst/>
@@ -8969,7 +8680,7 @@
               </a:endParaRPr>
             </a:p>
             <a:p>
-              <a:pPr marL="216000" indent="-212760">
+              <a:pPr marL="216000" indent="-212040">
                 <a:lnSpc>
                   <a:spcPct val="150000"/>
                 </a:lnSpc>
@@ -9018,9 +8729,9 @@
         <p:grpSpPr>
           <a:xfrm>
             <a:off x="720000" y="3481200"/>
-            <a:ext cx="6766920" cy="837720"/>
+            <a:ext cx="6766200" cy="837000"/>
             <a:chOff x="720000" y="3481200"/>
-            <a:chExt cx="6766920" cy="837720"/>
+            <a:chExt cx="6766200" cy="837000"/>
           </a:xfrm>
         </p:grpSpPr>
         <p:pic>
@@ -9036,7 +8747,7 @@
           <p:spPr>
             <a:xfrm>
               <a:off x="7056000" y="3481200"/>
-              <a:ext cx="430920" cy="837720"/>
+              <a:ext cx="430200" cy="837000"/>
             </a:xfrm>
             <a:prstGeom prst="rect">
               <a:avLst/>
@@ -9055,7 +8766,7 @@
           <p:spPr>
             <a:xfrm>
               <a:off x="720000" y="3481200"/>
-              <a:ext cx="6334920" cy="658080"/>
+              <a:ext cx="6334200" cy="657360"/>
             </a:xfrm>
             <a:prstGeom prst="rect">
               <a:avLst/>
@@ -9089,7 +8800,7 @@
               </a:endParaRPr>
             </a:p>
             <a:p>
-              <a:pPr marL="216000" indent="-212760">
+              <a:pPr marL="216000" indent="-212040">
                 <a:lnSpc>
                   <a:spcPct val="150000"/>
                 </a:lnSpc>
@@ -9378,7 +9089,7 @@
         <p:spPr>
           <a:xfrm>
             <a:off x="714240" y="358920"/>
-            <a:ext cx="7711560" cy="568080"/>
+            <a:ext cx="7710840" cy="567360"/>
           </a:xfrm>
           <a:prstGeom prst="rect">
             <a:avLst/>
@@ -9432,7 +9143,7 @@
         <p:spPr>
           <a:xfrm>
             <a:off x="648000" y="1008000"/>
-            <a:ext cx="7988760" cy="279000"/>
+            <a:ext cx="7988040" cy="278280"/>
           </a:xfrm>
           <a:prstGeom prst="rect">
             <a:avLst/>
@@ -9486,7 +9197,7 @@
         <p:spPr>
           <a:xfrm>
             <a:off x="648000" y="3315960"/>
-            <a:ext cx="7988760" cy="282960"/>
+            <a:ext cx="7988040" cy="282240"/>
           </a:xfrm>
           <a:prstGeom prst="rect">
             <a:avLst/>
@@ -9540,7 +9251,7 @@
         <p:spPr>
           <a:xfrm>
             <a:off x="648000" y="1366200"/>
-            <a:ext cx="7988760" cy="324720"/>
+            <a:ext cx="7988040" cy="324000"/>
           </a:xfrm>
           <a:prstGeom prst="rect">
             <a:avLst/>
@@ -9574,7 +9285,7 @@
             </a:endParaRPr>
           </a:p>
           <a:p>
-            <a:pPr marL="216000" indent="-212760">
+            <a:pPr marL="216000" indent="-212040">
               <a:lnSpc>
                 <a:spcPct val="115000"/>
               </a:lnSpc>
@@ -9622,7 +9333,7 @@
         <p:spPr>
           <a:xfrm>
             <a:off x="648000" y="1615680"/>
-            <a:ext cx="7988760" cy="1011240"/>
+            <a:ext cx="7988040" cy="1010520"/>
           </a:xfrm>
           <a:prstGeom prst="rect">
             <a:avLst/>
@@ -9656,7 +9367,7 @@
             </a:endParaRPr>
           </a:p>
           <a:p>
-            <a:pPr marL="216000" indent="-212760">
+            <a:pPr marL="216000" indent="-212040">
               <a:lnSpc>
                 <a:spcPct val="115000"/>
               </a:lnSpc>
@@ -9704,7 +9415,7 @@
         <p:spPr>
           <a:xfrm>
             <a:off x="4734000" y="2210760"/>
-            <a:ext cx="179640" cy="345240"/>
+            <a:ext cx="178920" cy="344520"/>
           </a:xfrm>
           <a:prstGeom prst="rect">
             <a:avLst/>
@@ -9730,7 +9441,7 @@
         <p:spPr>
           <a:xfrm>
             <a:off x="648000" y="2520000"/>
-            <a:ext cx="7988760" cy="432720"/>
+            <a:ext cx="7988040" cy="432000"/>
           </a:xfrm>
           <a:prstGeom prst="rect">
             <a:avLst/>
@@ -9764,7 +9475,7 @@
             </a:endParaRPr>
           </a:p>
           <a:p>
-            <a:pPr marL="216000" indent="-212760">
+            <a:pPr marL="216000" indent="-212040">
               <a:lnSpc>
                 <a:spcPct val="115000"/>
               </a:lnSpc>
@@ -9812,7 +9523,7 @@
         <p:spPr>
           <a:xfrm>
             <a:off x="648000" y="3608280"/>
-            <a:ext cx="7988760" cy="422640"/>
+            <a:ext cx="7988040" cy="421920"/>
           </a:xfrm>
           <a:prstGeom prst="rect">
             <a:avLst/>
@@ -9846,7 +9557,7 @@
             </a:endParaRPr>
           </a:p>
           <a:p>
-            <a:pPr marL="216000" indent="-212760">
+            <a:pPr marL="216000" indent="-212040">
               <a:lnSpc>
                 <a:spcPct val="115000"/>
               </a:lnSpc>
@@ -9894,7 +9605,7 @@
         <p:spPr>
           <a:xfrm>
             <a:off x="648000" y="4104000"/>
-            <a:ext cx="7988760" cy="430920"/>
+            <a:ext cx="7988040" cy="430200"/>
           </a:xfrm>
           <a:prstGeom prst="rect">
             <a:avLst/>
@@ -9928,7 +9639,7 @@
             </a:endParaRPr>
           </a:p>
           <a:p>
-            <a:pPr marL="216000" indent="-212760">
+            <a:pPr marL="216000" indent="-212040">
               <a:lnSpc>
                 <a:spcPct val="115000"/>
               </a:lnSpc>
@@ -10351,7 +10062,7 @@
         <p:spPr>
           <a:xfrm>
             <a:off x="714240" y="358920"/>
-            <a:ext cx="7711560" cy="568080"/>
+            <a:ext cx="7710840" cy="567360"/>
           </a:xfrm>
           <a:prstGeom prst="rect">
             <a:avLst/>
@@ -10405,7 +10116,7 @@
         <p:spPr>
           <a:xfrm>
             <a:off x="648000" y="1008000"/>
-            <a:ext cx="8348760" cy="287640"/>
+            <a:ext cx="8348040" cy="286920"/>
           </a:xfrm>
           <a:prstGeom prst="rect">
             <a:avLst/>
@@ -10459,7 +10170,7 @@
         <p:spPr>
           <a:xfrm>
             <a:off x="648000" y="3135960"/>
-            <a:ext cx="7988760" cy="463680"/>
+            <a:ext cx="7988040" cy="462960"/>
           </a:xfrm>
           <a:prstGeom prst="rect">
             <a:avLst/>
@@ -10513,7 +10224,7 @@
         <p:spPr>
           <a:xfrm>
             <a:off x="756000" y="1222200"/>
-            <a:ext cx="8024760" cy="433440"/>
+            <a:ext cx="8024040" cy="432720"/>
           </a:xfrm>
           <a:prstGeom prst="rect">
             <a:avLst/>
@@ -10547,7 +10258,7 @@
             </a:endParaRPr>
           </a:p>
           <a:p>
-            <a:pPr marL="216000" indent="-212760">
+            <a:pPr marL="216000" indent="-212040">
               <a:lnSpc>
                 <a:spcPct val="115000"/>
               </a:lnSpc>
@@ -10595,7 +10306,7 @@
         <p:spPr>
           <a:xfrm>
             <a:off x="756000" y="1728000"/>
-            <a:ext cx="8024760" cy="591480"/>
+            <a:ext cx="8024040" cy="590760"/>
           </a:xfrm>
           <a:prstGeom prst="rect">
             <a:avLst/>
@@ -10642,7 +10353,7 @@
             </a:endParaRPr>
           </a:p>
           <a:p>
-            <a:pPr marL="216000" indent="-212760">
+            <a:pPr marL="216000" indent="-212040">
               <a:lnSpc>
                 <a:spcPct val="115000"/>
               </a:lnSpc>
@@ -10690,7 +10401,7 @@
         <p:spPr>
           <a:xfrm>
             <a:off x="756000" y="3135960"/>
-            <a:ext cx="7988760" cy="1324440"/>
+            <a:ext cx="7988040" cy="1323720"/>
           </a:xfrm>
           <a:prstGeom prst="rect">
             <a:avLst/>
@@ -10724,7 +10435,7 @@
             </a:endParaRPr>
           </a:p>
           <a:p>
-            <a:pPr marL="216000" indent="-212760">
+            <a:pPr marL="216000" indent="-212040">
               <a:lnSpc>
                 <a:spcPct val="115000"/>
               </a:lnSpc>
@@ -11057,7 +10768,7 @@
         <p:spPr>
           <a:xfrm>
             <a:off x="648000" y="900000"/>
-            <a:ext cx="7988760" cy="1324440"/>
+            <a:ext cx="7988040" cy="1323720"/>
           </a:xfrm>
           <a:prstGeom prst="rect">
             <a:avLst/>
@@ -11111,7 +10822,7 @@
         <p:spPr>
           <a:xfrm>
             <a:off x="714240" y="359280"/>
-            <a:ext cx="7711560" cy="568080"/>
+            <a:ext cx="7710840" cy="567360"/>
           </a:xfrm>
           <a:prstGeom prst="rect">
             <a:avLst/>
@@ -11165,7 +10876,7 @@
         <p:spPr>
           <a:xfrm>
             <a:off x="1391760" y="4536000"/>
-            <a:ext cx="2529000" cy="310320"/>
+            <a:ext cx="2528280" cy="309600"/>
           </a:xfrm>
           <a:prstGeom prst="rect">
             <a:avLst/>
@@ -11225,7 +10936,7 @@
         <p:spPr>
           <a:xfrm>
             <a:off x="7138080" y="4629600"/>
-            <a:ext cx="1787400" cy="263520"/>
+            <a:ext cx="1786680" cy="262800"/>
           </a:xfrm>
           <a:prstGeom prst="rect">
             <a:avLst/>
@@ -11244,7 +10955,7 @@
         <p:spPr>
           <a:xfrm>
             <a:off x="648000" y="1764360"/>
-            <a:ext cx="7988760" cy="1324440"/>
+            <a:ext cx="7988040" cy="1323720"/>
           </a:xfrm>
           <a:prstGeom prst="rect">
             <a:avLst/>
@@ -11278,7 +10989,7 @@
             </a:endParaRPr>
           </a:p>
           <a:p>
-            <a:pPr marL="216000" indent="-212760">
+            <a:pPr marL="216000" indent="-212040">
               <a:lnSpc>
                 <a:spcPct val="150000"/>
               </a:lnSpc>
@@ -11316,7 +11027,7 @@
         <p:spPr>
           <a:xfrm>
             <a:off x="648000" y="2592360"/>
-            <a:ext cx="7988760" cy="791280"/>
+            <a:ext cx="7988040" cy="790560"/>
           </a:xfrm>
           <a:prstGeom prst="rect">
             <a:avLst/>
@@ -11350,7 +11061,7 @@
             </a:endParaRPr>
           </a:p>
           <a:p>
-            <a:pPr marL="216000" indent="-212760">
+            <a:pPr marL="216000" indent="-212040">
               <a:lnSpc>
                 <a:spcPct val="150000"/>
               </a:lnSpc>
@@ -11603,7 +11314,7 @@
         <p:spPr>
           <a:xfrm>
             <a:off x="648000" y="1080000"/>
-            <a:ext cx="7988760" cy="640440"/>
+            <a:ext cx="7988040" cy="639720"/>
           </a:xfrm>
           <a:prstGeom prst="rect">
             <a:avLst/>
@@ -11650,7 +11361,7 @@
             </a:endParaRPr>
           </a:p>
           <a:p>
-            <a:pPr marL="216000" indent="-212760">
+            <a:pPr marL="216000" indent="-212040">
               <a:lnSpc>
                 <a:spcPct val="150000"/>
               </a:lnSpc>
@@ -11710,7 +11421,7 @@
         <p:spPr>
           <a:xfrm>
             <a:off x="354240" y="359280"/>
-            <a:ext cx="7711560" cy="568080"/>
+            <a:ext cx="7710840" cy="567360"/>
           </a:xfrm>
           <a:prstGeom prst="rect">
             <a:avLst/>
@@ -11821,7 +11532,7 @@
         <p:spPr>
           <a:xfrm>
             <a:off x="7137720" y="4629600"/>
-            <a:ext cx="1787400" cy="263520"/>
+            <a:ext cx="1786680" cy="262800"/>
           </a:xfrm>
           <a:prstGeom prst="rect">
             <a:avLst/>
@@ -11840,7 +11551,7 @@
         <p:spPr>
           <a:xfrm>
             <a:off x="648000" y="1478160"/>
-            <a:ext cx="7988760" cy="1324440"/>
+            <a:ext cx="7988040" cy="1323720"/>
           </a:xfrm>
           <a:prstGeom prst="rect">
             <a:avLst/>
@@ -11887,7 +11598,7 @@
             </a:endParaRPr>
           </a:p>
           <a:p>
-            <a:pPr marL="216000" indent="-212760">
+            <a:pPr marL="216000" indent="-212040">
               <a:lnSpc>
                 <a:spcPct val="150000"/>
               </a:lnSpc>
@@ -11925,7 +11636,7 @@
         <p:spPr>
           <a:xfrm>
             <a:off x="648000" y="2247480"/>
-            <a:ext cx="7988760" cy="1324440"/>
+            <a:ext cx="7988040" cy="1323720"/>
           </a:xfrm>
           <a:prstGeom prst="rect">
             <a:avLst/>
@@ -11972,7 +11683,7 @@
             </a:endParaRPr>
           </a:p>
           <a:p>
-            <a:pPr marL="216000" indent="-212760">
+            <a:pPr marL="216000" indent="-212040">
               <a:lnSpc>
                 <a:spcPct val="150000"/>
               </a:lnSpc>
@@ -12215,7 +11926,7 @@
         <p:spPr>
           <a:xfrm>
             <a:off x="468000" y="828000"/>
-            <a:ext cx="8241120" cy="1324440"/>
+            <a:ext cx="8240400" cy="1323720"/>
           </a:xfrm>
           <a:prstGeom prst="rect">
             <a:avLst/>
@@ -12282,7 +11993,7 @@
         <p:spPr>
           <a:xfrm>
             <a:off x="354240" y="359280"/>
-            <a:ext cx="7711560" cy="568080"/>
+            <a:ext cx="7710840" cy="567360"/>
           </a:xfrm>
           <a:prstGeom prst="rect">
             <a:avLst/>
@@ -12340,7 +12051,7 @@
         <p:spPr>
           <a:xfrm>
             <a:off x="8424000" y="4392000"/>
-            <a:ext cx="573120" cy="573120"/>
+            <a:ext cx="572400" cy="572400"/>
           </a:xfrm>
           <a:prstGeom prst="rect">
             <a:avLst/>
@@ -12415,7 +12126,7 @@
         <p:spPr>
           <a:xfrm>
             <a:off x="468000" y="2196000"/>
-            <a:ext cx="8241120" cy="439560"/>
+            <a:ext cx="8240400" cy="438840"/>
           </a:xfrm>
           <a:prstGeom prst="rect">
             <a:avLst/>
@@ -12449,7 +12160,7 @@
             </a:endParaRPr>
           </a:p>
           <a:p>
-            <a:pPr marL="216000" indent="-212760">
+            <a:pPr marL="216000" indent="-212040">
               <a:lnSpc>
                 <a:spcPct val="150000"/>
               </a:lnSpc>
@@ -12487,7 +12198,7 @@
         <p:spPr>
           <a:xfrm>
             <a:off x="468000" y="2395080"/>
-            <a:ext cx="8241120" cy="1324440"/>
+            <a:ext cx="8240400" cy="1323720"/>
           </a:xfrm>
           <a:prstGeom prst="rect">
             <a:avLst/>
@@ -12521,7 +12232,7 @@
             </a:endParaRPr>
           </a:p>
           <a:p>
-            <a:pPr marL="216000" indent="-212760">
+            <a:pPr marL="216000" indent="-212040">
               <a:lnSpc>
                 <a:spcPct val="150000"/>
               </a:lnSpc>
@@ -12559,7 +12270,7 @@
         <p:spPr>
           <a:xfrm>
             <a:off x="468000" y="3211920"/>
-            <a:ext cx="8241120" cy="1324440"/>
+            <a:ext cx="8240400" cy="1323720"/>
           </a:xfrm>
           <a:prstGeom prst="rect">
             <a:avLst/>
@@ -12593,7 +12304,7 @@
             </a:endParaRPr>
           </a:p>
           <a:p>
-            <a:pPr marL="216000" indent="-212760">
+            <a:pPr marL="216000" indent="-212040">
               <a:lnSpc>
                 <a:spcPct val="150000"/>
               </a:lnSpc>
@@ -12871,7 +12582,7 @@
         <p:spPr>
           <a:xfrm>
             <a:off x="468000" y="972000"/>
-            <a:ext cx="8241120" cy="1000440"/>
+            <a:ext cx="8240400" cy="999720"/>
           </a:xfrm>
           <a:prstGeom prst="rect">
             <a:avLst/>
@@ -12938,7 +12649,7 @@
         <p:spPr>
           <a:xfrm>
             <a:off x="354240" y="359280"/>
-            <a:ext cx="7711560" cy="568080"/>
+            <a:ext cx="7710840" cy="567360"/>
           </a:xfrm>
           <a:prstGeom prst="rect">
             <a:avLst/>
@@ -12996,7 +12707,7 @@
         <p:spPr>
           <a:xfrm>
             <a:off x="8464680" y="4464000"/>
-            <a:ext cx="460440" cy="460440"/>
+            <a:ext cx="459720" cy="459720"/>
           </a:xfrm>
           <a:prstGeom prst="rect">
             <a:avLst/>
@@ -13015,7 +12726,7 @@
         <p:spPr>
           <a:xfrm>
             <a:off x="2793960" y="4953240"/>
-            <a:ext cx="177840" cy="343440"/>
+            <a:ext cx="177120" cy="342720"/>
           </a:xfrm>
           <a:prstGeom prst="rect">
             <a:avLst/>
@@ -13097,7 +12808,7 @@
         <p:spPr>
           <a:xfrm>
             <a:off x="468000" y="1800000"/>
-            <a:ext cx="8241120" cy="670680"/>
+            <a:ext cx="8240400" cy="669960"/>
           </a:xfrm>
           <a:prstGeom prst="rect">
             <a:avLst/>
@@ -13131,7 +12842,7 @@
             </a:endParaRPr>
           </a:p>
           <a:p>
-            <a:pPr marL="216000" indent="-212760">
+            <a:pPr marL="216000" indent="-212040">
               <a:lnSpc>
                 <a:spcPct val="150000"/>
               </a:lnSpc>
@@ -13180,7 +12891,7 @@
         <p:spPr>
           <a:xfrm>
             <a:off x="468000" y="1907280"/>
-            <a:ext cx="8241120" cy="1324440"/>
+            <a:ext cx="8240400" cy="1323720"/>
           </a:xfrm>
           <a:prstGeom prst="rect">
             <a:avLst/>
@@ -13214,7 +12925,7 @@
             </a:endParaRPr>
           </a:p>
           <a:p>
-            <a:pPr marL="216000" indent="-212760">
+            <a:pPr marL="216000" indent="-212040">
               <a:lnSpc>
                 <a:spcPct val="150000"/>
               </a:lnSpc>
@@ -13252,7 +12963,7 @@
         <p:spPr>
           <a:xfrm>
             <a:off x="468000" y="2700000"/>
-            <a:ext cx="8241120" cy="1131840"/>
+            <a:ext cx="8240400" cy="1131120"/>
           </a:xfrm>
           <a:prstGeom prst="rect">
             <a:avLst/>
@@ -13286,7 +12997,7 @@
             </a:endParaRPr>
           </a:p>
           <a:p>
-            <a:pPr marL="216000" indent="-212760">
+            <a:pPr marL="216000" indent="-212040">
               <a:lnSpc>
                 <a:spcPct val="150000"/>
               </a:lnSpc>
@@ -13314,7 +13025,7 @@
             </a:endParaRPr>
           </a:p>
           <a:p>
-            <a:pPr marL="216000" indent="-212760">
+            <a:pPr marL="216000" indent="-212040">
               <a:lnSpc>
                 <a:spcPct val="150000"/>
               </a:lnSpc>
@@ -13382,7 +13093,7 @@
         <p:spPr>
           <a:xfrm>
             <a:off x="138240" y="359280"/>
-            <a:ext cx="7711560" cy="568080"/>
+            <a:ext cx="7710840" cy="567360"/>
           </a:xfrm>
           <a:prstGeom prst="rect">
             <a:avLst/>
@@ -13440,7 +13151,7 @@
         <p:spPr>
           <a:xfrm>
             <a:off x="8424000" y="4392000"/>
-            <a:ext cx="573120" cy="573120"/>
+            <a:ext cx="572400" cy="572400"/>
           </a:xfrm>
           <a:prstGeom prst="rect">
             <a:avLst/>
@@ -13519,7 +13230,7 @@
         <p:spPr>
           <a:xfrm>
             <a:off x="4968000" y="1186920"/>
-            <a:ext cx="3743640" cy="1143720"/>
+            <a:ext cx="3742920" cy="1143000"/>
           </a:xfrm>
           <a:prstGeom prst="rect">
             <a:avLst/>
@@ -13542,7 +13253,7 @@
         <p:spPr>
           <a:xfrm>
             <a:off x="4968000" y="2646720"/>
-            <a:ext cx="1799640" cy="234360"/>
+            <a:ext cx="1798920" cy="233640"/>
           </a:xfrm>
           <a:prstGeom prst="rect">
             <a:avLst/>
@@ -13565,7 +13276,7 @@
         <p:spPr>
           <a:xfrm>
             <a:off x="4968000" y="3123360"/>
-            <a:ext cx="3959640" cy="1268280"/>
+            <a:ext cx="3958920" cy="1267560"/>
           </a:xfrm>
           <a:prstGeom prst="rect">
             <a:avLst/>
@@ -13588,7 +13299,7 @@
         <p:spPr>
           <a:xfrm>
             <a:off x="540000" y="3288960"/>
-            <a:ext cx="2519640" cy="1102680"/>
+            <a:ext cx="2518920" cy="1101960"/>
           </a:xfrm>
           <a:prstGeom prst="rect">
             <a:avLst/>
@@ -13611,7 +13322,7 @@
         <p:spPr>
           <a:xfrm>
             <a:off x="504000" y="1008000"/>
-            <a:ext cx="3959640" cy="1594440"/>
+            <a:ext cx="3958920" cy="1593720"/>
           </a:xfrm>
           <a:prstGeom prst="rect">
             <a:avLst/>

--- a/ppt/curso-devops-ulpgc-ui.pptx
+++ b/ppt/curso-devops-ulpgc-ui.pptx
@@ -4134,7 +4134,7 @@
         <p:spPr>
           <a:xfrm>
             <a:off x="-101880" y="-35280"/>
-            <a:ext cx="9301680" cy="5232960"/>
+            <a:ext cx="9301320" cy="5232600"/>
           </a:xfrm>
           <a:prstGeom prst="rect">
             <a:avLst/>
@@ -4157,7 +4157,7 @@
         <p:spPr>
           <a:xfrm>
             <a:off x="0" y="4851360"/>
-            <a:ext cx="577440" cy="234720"/>
+            <a:ext cx="577080" cy="234360"/>
           </a:xfrm>
           <a:prstGeom prst="rect">
             <a:avLst/>
@@ -4182,7 +4182,7 @@
         <p:spPr>
           <a:xfrm>
             <a:off x="7673040" y="102960"/>
-            <a:ext cx="1401120" cy="621000"/>
+            <a:ext cx="1400760" cy="620640"/>
           </a:xfrm>
           <a:prstGeom prst="rect">
             <a:avLst/>
@@ -4465,7 +4465,7 @@
         <p:spPr>
           <a:xfrm>
             <a:off x="-101880" y="-35280"/>
-            <a:ext cx="9301680" cy="5232960"/>
+            <a:ext cx="9301320" cy="5232600"/>
           </a:xfrm>
           <a:prstGeom prst="rect">
             <a:avLst/>
@@ -4483,13 +4483,13 @@
         </p:nvPicPr>
         <p:blipFill>
           <a:blip r:embed="rId3"/>
-          <a:srcRect l="0" t="19224" r="0" b="19224"/>
+          <a:srcRect l="0" t="19226" r="0" b="19226"/>
           <a:stretch/>
         </p:blipFill>
         <p:spPr>
           <a:xfrm>
             <a:off x="-40680" y="4847760"/>
-            <a:ext cx="617040" cy="250920"/>
+            <a:ext cx="616680" cy="250560"/>
           </a:xfrm>
           <a:prstGeom prst="rect">
             <a:avLst/>
@@ -4514,7 +4514,7 @@
         <p:spPr>
           <a:xfrm>
             <a:off x="7673040" y="102960"/>
-            <a:ext cx="1401120" cy="621000"/>
+            <a:ext cx="1400760" cy="620640"/>
           </a:xfrm>
           <a:prstGeom prst="rect">
             <a:avLst/>
@@ -5046,7 +5046,7 @@
         <p:spPr>
           <a:xfrm>
             <a:off x="661320" y="2964960"/>
-            <a:ext cx="7716960" cy="1643760"/>
+            <a:ext cx="7716600" cy="1643400"/>
           </a:xfrm>
           <a:prstGeom prst="rect">
             <a:avLst/>
@@ -5115,7 +5115,7 @@
         <p:spPr>
           <a:xfrm>
             <a:off x="246600" y="1460520"/>
-            <a:ext cx="4595040" cy="2041920"/>
+            <a:ext cx="4594680" cy="2041560"/>
           </a:xfrm>
           <a:prstGeom prst="rect">
             <a:avLst/>
@@ -5168,7 +5168,7 @@
         <p:spPr>
           <a:xfrm>
             <a:off x="648000" y="1836000"/>
-            <a:ext cx="7988040" cy="1323720"/>
+            <a:ext cx="7987680" cy="1323360"/>
           </a:xfrm>
           <a:prstGeom prst="rect">
             <a:avLst/>
@@ -5202,7 +5202,7 @@
             </a:endParaRPr>
           </a:p>
           <a:p>
-            <a:pPr marL="216000" indent="-212040">
+            <a:pPr marL="216000" indent="-211680">
               <a:lnSpc>
                 <a:spcPct val="115000"/>
               </a:lnSpc>
@@ -5242,7 +5242,7 @@
             </a:endParaRPr>
           </a:p>
           <a:p>
-            <a:pPr lvl="1" marL="432000" indent="-214920">
+            <a:pPr lvl="1" marL="432000" indent="-214560">
               <a:lnSpc>
                 <a:spcPct val="115000"/>
               </a:lnSpc>
@@ -5271,7 +5271,7 @@
             </a:endParaRPr>
           </a:p>
           <a:p>
-            <a:pPr lvl="1" marL="432000" indent="-214920">
+            <a:pPr lvl="1" marL="432000" indent="-214560">
               <a:lnSpc>
                 <a:spcPct val="115000"/>
               </a:lnSpc>
@@ -5300,7 +5300,7 @@
             </a:endParaRPr>
           </a:p>
           <a:p>
-            <a:pPr lvl="1" marL="432000" indent="-214920">
+            <a:pPr lvl="1" marL="432000" indent="-214560">
               <a:lnSpc>
                 <a:spcPct val="115000"/>
               </a:lnSpc>
@@ -5329,7 +5329,7 @@
             </a:endParaRPr>
           </a:p>
           <a:p>
-            <a:pPr marL="216000" indent="-212040">
+            <a:pPr marL="216000" indent="-211680">
               <a:lnSpc>
                 <a:spcPct val="115000"/>
               </a:lnSpc>
@@ -5369,7 +5369,7 @@
             </a:endParaRPr>
           </a:p>
           <a:p>
-            <a:pPr marL="216000" indent="-212040">
+            <a:pPr marL="216000" indent="-211680">
               <a:lnSpc>
                 <a:spcPct val="115000"/>
               </a:lnSpc>
@@ -5407,7 +5407,7 @@
             </a:endParaRPr>
           </a:p>
           <a:p>
-            <a:pPr marL="216000" indent="-212040">
+            <a:pPr marL="216000" indent="-211680">
               <a:lnSpc>
                 <a:spcPct val="115000"/>
               </a:lnSpc>
@@ -5445,7 +5445,7 @@
             </a:endParaRPr>
           </a:p>
           <a:p>
-            <a:pPr marL="216000" indent="-212040">
+            <a:pPr marL="216000" indent="-211680">
               <a:lnSpc>
                 <a:spcPct val="115000"/>
               </a:lnSpc>
@@ -5485,7 +5485,7 @@
             </a:endParaRPr>
           </a:p>
           <a:p>
-            <a:pPr marL="216000" indent="-212040">
+            <a:pPr marL="216000" indent="-211680">
               <a:lnSpc>
                 <a:spcPct val="115000"/>
               </a:lnSpc>
@@ -5523,7 +5523,7 @@
         <p:spPr>
           <a:xfrm>
             <a:off x="354240" y="359280"/>
-            <a:ext cx="7710840" cy="567360"/>
+            <a:ext cx="7710480" cy="567000"/>
           </a:xfrm>
           <a:prstGeom prst="rect">
             <a:avLst/>
@@ -5607,7 +5607,7 @@
         <p:spPr>
           <a:xfrm>
             <a:off x="648000" y="1836000"/>
-            <a:ext cx="7988040" cy="1323720"/>
+            <a:ext cx="7987680" cy="1323360"/>
           </a:xfrm>
           <a:prstGeom prst="rect">
             <a:avLst/>
@@ -5641,7 +5641,7 @@
             </a:endParaRPr>
           </a:p>
           <a:p>
-            <a:pPr marL="216000" indent="-212040">
+            <a:pPr marL="216000" indent="-211680">
               <a:lnSpc>
                 <a:spcPct val="150000"/>
               </a:lnSpc>
@@ -5679,7 +5679,7 @@
             </a:endParaRPr>
           </a:p>
           <a:p>
-            <a:pPr marL="216000" indent="-212040">
+            <a:pPr marL="216000" indent="-211680">
               <a:lnSpc>
                 <a:spcPct val="150000"/>
               </a:lnSpc>
@@ -5707,7 +5707,7 @@
             </a:endParaRPr>
           </a:p>
           <a:p>
-            <a:pPr lvl="1" marL="432000" indent="-214920">
+            <a:pPr lvl="1" marL="432000" indent="-214560">
               <a:lnSpc>
                 <a:spcPct val="150000"/>
               </a:lnSpc>
@@ -5736,7 +5736,7 @@
             </a:endParaRPr>
           </a:p>
           <a:p>
-            <a:pPr lvl="1" marL="432000" indent="-214920">
+            <a:pPr lvl="1" marL="432000" indent="-214560">
               <a:lnSpc>
                 <a:spcPct val="150000"/>
               </a:lnSpc>
@@ -5765,7 +5765,7 @@
             </a:endParaRPr>
           </a:p>
           <a:p>
-            <a:pPr marL="216000" indent="-212040">
+            <a:pPr marL="216000" indent="-211680">
               <a:lnSpc>
                 <a:spcPct val="150000"/>
               </a:lnSpc>
@@ -5836,7 +5836,7 @@
         <p:spPr>
           <a:xfrm>
             <a:off x="354240" y="359280"/>
-            <a:ext cx="7710840" cy="567360"/>
+            <a:ext cx="7710480" cy="567000"/>
           </a:xfrm>
           <a:prstGeom prst="rect">
             <a:avLst/>
@@ -5920,7 +5920,7 @@
         <p:spPr>
           <a:xfrm>
             <a:off x="648000" y="1836000"/>
-            <a:ext cx="7988040" cy="1323720"/>
+            <a:ext cx="7987680" cy="1323360"/>
           </a:xfrm>
           <a:prstGeom prst="rect">
             <a:avLst/>
@@ -5967,7 +5967,7 @@
             </a:endParaRPr>
           </a:p>
           <a:p>
-            <a:pPr marL="216000" indent="-212040">
+            <a:pPr marL="216000" indent="-211680">
               <a:lnSpc>
                 <a:spcPct val="150000"/>
               </a:lnSpc>
@@ -6028,7 +6028,7 @@
             </a:endParaRPr>
           </a:p>
           <a:p>
-            <a:pPr marL="216000" indent="-212040">
+            <a:pPr marL="216000" indent="-211680">
               <a:lnSpc>
                 <a:spcPct val="150000"/>
               </a:lnSpc>
@@ -6112,7 +6112,7 @@
         <p:spPr>
           <a:xfrm>
             <a:off x="354240" y="359280"/>
-            <a:ext cx="7710840" cy="567360"/>
+            <a:ext cx="7710480" cy="567000"/>
           </a:xfrm>
           <a:prstGeom prst="rect">
             <a:avLst/>
@@ -6196,7 +6196,7 @@
         <p:spPr>
           <a:xfrm>
             <a:off x="828000" y="1548000"/>
-            <a:ext cx="7988040" cy="1323720"/>
+            <a:ext cx="7987680" cy="1323360"/>
           </a:xfrm>
           <a:prstGeom prst="rect">
             <a:avLst/>
@@ -6230,7 +6230,7 @@
             </a:endParaRPr>
           </a:p>
           <a:p>
-            <a:pPr marL="216000" indent="-212040">
+            <a:pPr marL="216000" indent="-211680">
               <a:lnSpc>
                 <a:spcPct val="115000"/>
               </a:lnSpc>
@@ -6258,7 +6258,7 @@
             </a:endParaRPr>
           </a:p>
           <a:p>
-            <a:pPr lvl="1" marL="432000" indent="-214920">
+            <a:pPr lvl="1" marL="432000" indent="-214560">
               <a:lnSpc>
                 <a:spcPct val="115000"/>
               </a:lnSpc>
@@ -6287,7 +6287,7 @@
             </a:endParaRPr>
           </a:p>
           <a:p>
-            <a:pPr lvl="1" marL="432000" indent="-214920">
+            <a:pPr lvl="1" marL="432000" indent="-214560">
               <a:lnSpc>
                 <a:spcPct val="115000"/>
               </a:lnSpc>
@@ -6316,7 +6316,7 @@
             </a:endParaRPr>
           </a:p>
           <a:p>
-            <a:pPr marL="216000" indent="-212040">
+            <a:pPr marL="216000" indent="-211680">
               <a:lnSpc>
                 <a:spcPct val="115000"/>
               </a:lnSpc>
@@ -6354,7 +6354,7 @@
             </a:endParaRPr>
           </a:p>
           <a:p>
-            <a:pPr marL="216000" indent="-212040">
+            <a:pPr marL="216000" indent="-211680">
               <a:lnSpc>
                 <a:spcPct val="115000"/>
               </a:lnSpc>
@@ -6415,7 +6415,7 @@
         <p:spPr>
           <a:xfrm>
             <a:off x="354240" y="359280"/>
-            <a:ext cx="7710840" cy="567360"/>
+            <a:ext cx="7710480" cy="567000"/>
           </a:xfrm>
           <a:prstGeom prst="rect">
             <a:avLst/>
@@ -6469,7 +6469,7 @@
         <p:spPr>
           <a:xfrm>
             <a:off x="936000" y="4439520"/>
-            <a:ext cx="7988040" cy="383400"/>
+            <a:ext cx="7987680" cy="383040"/>
           </a:xfrm>
           <a:prstGeom prst="rect">
             <a:avLst/>
@@ -6529,7 +6529,7 @@
         <p:spPr>
           <a:xfrm>
             <a:off x="1440000" y="3245760"/>
-            <a:ext cx="3462840" cy="1217160"/>
+            <a:ext cx="3462480" cy="1216800"/>
           </a:xfrm>
           <a:prstGeom prst="rect">
             <a:avLst/>
@@ -6552,7 +6552,7 @@
         <p:spPr>
           <a:xfrm>
             <a:off x="1440000" y="2592720"/>
-            <a:ext cx="2878920" cy="272880"/>
+            <a:ext cx="2878560" cy="272520"/>
           </a:xfrm>
           <a:prstGeom prst="rect">
             <a:avLst/>
@@ -6601,7 +6601,7 @@
         <p:spPr>
           <a:xfrm>
             <a:off x="318240" y="359280"/>
-            <a:ext cx="7710840" cy="567360"/>
+            <a:ext cx="7710480" cy="567000"/>
           </a:xfrm>
           <a:prstGeom prst="rect">
             <a:avLst/>
@@ -6665,7 +6665,7 @@
         <p:spPr>
           <a:xfrm>
             <a:off x="936000" y="4439520"/>
-            <a:ext cx="7988040" cy="383400"/>
+            <a:ext cx="7987680" cy="383040"/>
           </a:xfrm>
           <a:prstGeom prst="rect">
             <a:avLst/>
@@ -6721,7 +6721,7 @@
         <p:spPr>
           <a:xfrm>
             <a:off x="828000" y="1716840"/>
-            <a:ext cx="7988040" cy="1323720"/>
+            <a:ext cx="7987680" cy="1323360"/>
           </a:xfrm>
           <a:prstGeom prst="rect">
             <a:avLst/>
@@ -6755,7 +6755,7 @@
             </a:endParaRPr>
           </a:p>
           <a:p>
-            <a:pPr marL="216000" indent="-212040">
+            <a:pPr marL="216000" indent="-211680">
               <a:lnSpc>
                 <a:spcPct val="115000"/>
               </a:lnSpc>
@@ -6776,7 +6776,7 @@
                 <a:latin typeface="Raleway Medium"/>
                 <a:ea typeface="Raleway Medium"/>
               </a:rPr>
-              <a:t>Generar proyecto nativo / copiar cambios</a:t>
+              <a:t>Instalar dependencias / generar proyecto nativo / copiar cambios</a:t>
             </a:r>
             <a:endParaRPr b="0" lang="es-ES" sz="1300" spc="-1" strike="noStrike">
               <a:latin typeface="Arial"/>
@@ -6796,7 +6796,7 @@
             </a:endParaRPr>
           </a:p>
           <a:p>
-            <a:pPr marL="216000" indent="-212040">
+            <a:pPr marL="216000" indent="-211680">
               <a:lnSpc>
                 <a:spcPct val="115000"/>
               </a:lnSpc>
@@ -6850,14 +6850,34 @@
                 <a:latin typeface="Raleway Medium"/>
                 <a:ea typeface="Raleway Medium"/>
               </a:rPr>
-              <a:t>ionic capacitor sync gradle</a:t>
+              <a:t>ionic capacitor sync gradle →</a:t>
             </a:r>
-            <a:endParaRPr b="0" lang="es-ES" sz="1300" spc="-1" strike="noStrike">
-              <a:latin typeface="Arial"/>
-            </a:endParaRPr>
-          </a:p>
-          <a:p>
-            <a:pPr marL="216000" indent="-212040">
+            <a:r>
+              <a:rPr b="0" lang="es-ES" sz="1300" spc="-1" strike="noStrike">
+                <a:solidFill>
+                  <a:srgbClr val="007399"/>
+                </a:solidFill>
+                <a:latin typeface="Raleway Medium"/>
+                <a:ea typeface="Raleway Medium"/>
+              </a:rPr>
+              <a:t> </a:t>
+            </a:r>
+            <a:r>
+              <a:rPr b="0" lang="es-ES" sz="1000" spc="-1" strike="noStrike">
+                <a:solidFill>
+                  <a:srgbClr val="007399"/>
+                </a:solidFill>
+                <a:latin typeface="Raleway Medium"/>
+                <a:ea typeface="Raleway Medium"/>
+              </a:rPr>
+              <a:t>Si no encuentra gradle, será necesario instalarlo y añadirlo al Path</a:t>
+            </a:r>
+            <a:endParaRPr b="0" lang="es-ES" sz="1000" spc="-1" strike="noStrike">
+              <a:latin typeface="Arial"/>
+            </a:endParaRPr>
+          </a:p>
+          <a:p>
+            <a:pPr marL="216000" indent="-211680">
               <a:lnSpc>
                 <a:spcPct val="115000"/>
               </a:lnSpc>
@@ -6885,7 +6905,7 @@
             </a:endParaRPr>
           </a:p>
           <a:p>
-            <a:pPr lvl="1" marL="432000" indent="-214920">
+            <a:pPr lvl="1" marL="432000" indent="-214560">
               <a:lnSpc>
                 <a:spcPct val="115000"/>
               </a:lnSpc>
@@ -6914,7 +6934,7 @@
             </a:endParaRPr>
           </a:p>
           <a:p>
-            <a:pPr lvl="1" marL="432000" indent="-214920">
+            <a:pPr lvl="1" marL="432000" indent="-214560">
               <a:lnSpc>
                 <a:spcPct val="115000"/>
               </a:lnSpc>
@@ -6943,7 +6963,7 @@
             </a:endParaRPr>
           </a:p>
           <a:p>
-            <a:pPr marL="216000" indent="-212040">
+            <a:pPr marL="216000" indent="-211680">
               <a:lnSpc>
                 <a:spcPct val="115000"/>
               </a:lnSpc>
@@ -6971,7 +6991,7 @@
             </a:endParaRPr>
           </a:p>
           <a:p>
-            <a:pPr lvl="1" marL="432000" indent="-214920">
+            <a:pPr lvl="1" marL="432000" indent="-214560">
               <a:lnSpc>
                 <a:spcPct val="115000"/>
               </a:lnSpc>
@@ -7000,7 +7020,7 @@
             </a:endParaRPr>
           </a:p>
           <a:p>
-            <a:pPr lvl="1" marL="432000" indent="-214920">
+            <a:pPr lvl="1" marL="432000" indent="-214560">
               <a:lnSpc>
                 <a:spcPct val="115000"/>
               </a:lnSpc>
@@ -7029,7 +7049,7 @@
             </a:endParaRPr>
           </a:p>
           <a:p>
-            <a:pPr lvl="1" marL="432000" indent="-214920">
+            <a:pPr lvl="1" marL="432000" indent="-214560">
               <a:lnSpc>
                 <a:spcPct val="115000"/>
               </a:lnSpc>
@@ -7071,8 +7091,8 @@
         </p:blipFill>
         <p:spPr>
           <a:xfrm>
-            <a:off x="1296000" y="1080000"/>
-            <a:ext cx="2014920" cy="330480"/>
+            <a:off x="2233440" y="1109880"/>
+            <a:ext cx="2014560" cy="330120"/>
           </a:xfrm>
           <a:prstGeom prst="rect">
             <a:avLst/>
@@ -7094,8 +7114,8 @@
         </p:blipFill>
         <p:spPr>
           <a:xfrm>
-            <a:off x="3456000" y="1080000"/>
-            <a:ext cx="2086920" cy="319680"/>
+            <a:off x="4393440" y="1109880"/>
+            <a:ext cx="2086560" cy="319320"/>
           </a:xfrm>
           <a:prstGeom prst="rect">
             <a:avLst/>
@@ -7105,6 +7125,65 @@
           </a:ln>
         </p:spPr>
       </p:pic>
+      <p:sp>
+        <p:nvSpPr>
+          <p:cNvPr id="199" name="CustomShape 4"/>
+          <p:cNvSpPr/>
+          <p:nvPr/>
+        </p:nvSpPr>
+        <p:spPr>
+          <a:xfrm>
+            <a:off x="1152000" y="1116000"/>
+            <a:ext cx="936000" cy="324000"/>
+          </a:xfrm>
+          <a:prstGeom prst="rect">
+            <a:avLst/>
+          </a:prstGeom>
+          <a:solidFill>
+            <a:srgbClr val="f3f4f7"/>
+          </a:solidFill>
+          <a:ln>
+            <a:noFill/>
+          </a:ln>
+        </p:spPr>
+        <p:style>
+          <a:lnRef idx="0"/>
+          <a:fillRef idx="0"/>
+          <a:effectRef idx="0"/>
+          <a:fontRef idx="minor"/>
+        </p:style>
+        <p:txBody>
+          <a:bodyPr wrap="none" lIns="90000" rIns="90000" tIns="45000" bIns="45000" anchor="ctr">
+            <a:noAutofit/>
+          </a:bodyPr>
+          <a:p>
+            <a:pPr>
+              <a:lnSpc>
+                <a:spcPct val="115000"/>
+              </a:lnSpc>
+              <a:spcAft>
+                <a:spcPts val="850"/>
+              </a:spcAft>
+            </a:pPr>
+            <a:r>
+              <a:rPr b="0" lang="es-ES" sz="900" spc="-1" strike="noStrike">
+                <a:solidFill>
+                  <a:srgbClr val="3e3e3e"/>
+                </a:solidFill>
+                <a:latin typeface="Ubuntu Mono"/>
+                <a:ea typeface="DejaVu Sans"/>
+              </a:rPr>
+              <a:t>$ npm install</a:t>
+            </a:r>
+            <a:endParaRPr b="0" lang="es-ES" sz="900" spc="-1" strike="noStrike">
+              <a:solidFill>
+                <a:srgbClr val="3e3e3e"/>
+              </a:solidFill>
+              <a:latin typeface="Ubuntu Mono"/>
+            </a:endParaRPr>
+          </a:p>
+        </p:txBody>
+      </p:sp>
     </p:spTree>
   </p:cSld>
   <mc:AlternateContent>
@@ -7137,14 +7216,14 @@
       </p:grpSpPr>
       <p:sp>
         <p:nvSpPr>
-          <p:cNvPr id="199" name="CustomShape 1"/>
+          <p:cNvPr id="200" name="CustomShape 1"/>
           <p:cNvSpPr/>
           <p:nvPr/>
         </p:nvSpPr>
         <p:spPr>
           <a:xfrm>
             <a:off x="648000" y="2124000"/>
-            <a:ext cx="7988040" cy="1323720"/>
+            <a:ext cx="7987680" cy="1323360"/>
           </a:xfrm>
           <a:prstGeom prst="rect">
             <a:avLst/>
@@ -7178,7 +7257,7 @@
             </a:endParaRPr>
           </a:p>
           <a:p>
-            <a:pPr marL="216000" indent="-212040">
+            <a:pPr marL="216000" indent="-211680">
               <a:lnSpc>
                 <a:spcPct val="115000"/>
               </a:lnSpc>
@@ -7219,7 +7298,7 @@
             </a:endParaRPr>
           </a:p>
           <a:p>
-            <a:pPr marL="216000" indent="-212040">
+            <a:pPr marL="216000" indent="-211680">
               <a:lnSpc>
                 <a:spcPct val="115000"/>
               </a:lnSpc>
@@ -7247,7 +7326,7 @@
             </a:endParaRPr>
           </a:p>
           <a:p>
-            <a:pPr marL="216000" indent="-212040">
+            <a:pPr marL="216000" indent="-211680">
               <a:lnSpc>
                 <a:spcPct val="115000"/>
               </a:lnSpc>
@@ -7275,7 +7354,7 @@
             </a:endParaRPr>
           </a:p>
           <a:p>
-            <a:pPr marL="216000" indent="-212040">
+            <a:pPr marL="216000" indent="-211680">
               <a:lnSpc>
                 <a:spcPct val="115000"/>
               </a:lnSpc>
@@ -7316,7 +7395,7 @@
             </a:endParaRPr>
           </a:p>
           <a:p>
-            <a:pPr marL="216000" indent="-212040">
+            <a:pPr marL="216000" indent="-211680">
               <a:lnSpc>
                 <a:spcPct val="115000"/>
               </a:lnSpc>
@@ -7357,7 +7436,7 @@
             </a:endParaRPr>
           </a:p>
           <a:p>
-            <a:pPr marL="216000" indent="-212040">
+            <a:pPr marL="216000" indent="-211680">
               <a:lnSpc>
                 <a:spcPct val="115000"/>
               </a:lnSpc>
@@ -7401,14 +7480,14 @@
       </p:sp>
       <p:sp>
         <p:nvSpPr>
-          <p:cNvPr id="200" name="CustomShape 2"/>
+          <p:cNvPr id="201" name="CustomShape 2"/>
           <p:cNvSpPr/>
           <p:nvPr/>
         </p:nvSpPr>
         <p:spPr>
           <a:xfrm>
             <a:off x="354240" y="359280"/>
-            <a:ext cx="7710840" cy="567360"/>
+            <a:ext cx="7710480" cy="567000"/>
           </a:xfrm>
           <a:prstGeom prst="rect">
             <a:avLst/>
@@ -7455,7 +7534,7 @@
       </p:sp>
       <p:pic>
         <p:nvPicPr>
-          <p:cNvPr id="201" name="" descr=""/>
+          <p:cNvPr id="202" name="" descr=""/>
           <p:cNvPicPr/>
           <p:nvPr/>
         </p:nvPicPr>
@@ -7466,30 +7545,7 @@
         <p:spPr>
           <a:xfrm>
             <a:off x="1152000" y="1540080"/>
-            <a:ext cx="1870920" cy="366840"/>
-          </a:xfrm>
-          <a:prstGeom prst="rect">
-            <a:avLst/>
-          </a:prstGeom>
-          <a:ln>
-            <a:noFill/>
-          </a:ln>
-        </p:spPr>
-      </p:pic>
-      <p:pic>
-        <p:nvPicPr>
-          <p:cNvPr id="202" name="" descr=""/>
-          <p:cNvPicPr/>
-          <p:nvPr/>
-        </p:nvPicPr>
-        <p:blipFill>
-          <a:blip r:embed="rId2"/>
-          <a:stretch/>
-        </p:blipFill>
-        <p:spPr>
-          <a:xfrm>
-            <a:off x="1296000" y="3079800"/>
-            <a:ext cx="1870920" cy="303120"/>
+            <a:ext cx="1870560" cy="366480"/>
           </a:xfrm>
           <a:prstGeom prst="rect">
             <a:avLst/>
@@ -7506,13 +7562,13 @@
           <p:nvPr/>
         </p:nvPicPr>
         <p:blipFill>
-          <a:blip r:embed="rId3"/>
+          <a:blip r:embed="rId2"/>
           <a:stretch/>
         </p:blipFill>
         <p:spPr>
           <a:xfrm>
-            <a:off x="3463200" y="3060000"/>
-            <a:ext cx="1647000" cy="358920"/>
+            <a:off x="1296000" y="3079800"/>
+            <a:ext cx="1870560" cy="302760"/>
           </a:xfrm>
           <a:prstGeom prst="rect">
             <a:avLst/>
@@ -7529,13 +7585,36 @@
           <p:nvPr/>
         </p:nvPicPr>
         <p:blipFill>
+          <a:blip r:embed="rId3"/>
+          <a:stretch/>
+        </p:blipFill>
+        <p:spPr>
+          <a:xfrm>
+            <a:off x="3463200" y="3060000"/>
+            <a:ext cx="1646640" cy="358560"/>
+          </a:xfrm>
+          <a:prstGeom prst="rect">
+            <a:avLst/>
+          </a:prstGeom>
+          <a:ln>
+            <a:noFill/>
+          </a:ln>
+        </p:spPr>
+      </p:pic>
+      <p:pic>
+        <p:nvPicPr>
+          <p:cNvPr id="205" name="" descr=""/>
+          <p:cNvPicPr/>
+          <p:nvPr/>
+        </p:nvPicPr>
+        <p:blipFill>
           <a:blip r:embed="rId4"/>
           <a:stretch/>
         </p:blipFill>
         <p:spPr>
           <a:xfrm>
             <a:off x="1296000" y="3721680"/>
-            <a:ext cx="2006640" cy="453240"/>
+            <a:ext cx="2006280" cy="452880"/>
           </a:xfrm>
           <a:prstGeom prst="rect">
             <a:avLst/>
@@ -7547,14 +7626,14 @@
       </p:pic>
       <p:sp>
         <p:nvSpPr>
-          <p:cNvPr id="205" name="CustomShape 3"/>
+          <p:cNvPr id="206" name="CustomShape 3"/>
           <p:cNvSpPr/>
           <p:nvPr/>
         </p:nvSpPr>
         <p:spPr>
           <a:xfrm>
             <a:off x="936000" y="4439520"/>
-            <a:ext cx="7988040" cy="383400"/>
+            <a:ext cx="7987680" cy="383040"/>
           </a:xfrm>
           <a:prstGeom prst="rect">
             <a:avLst/>
@@ -7633,42 +7712,42 @@
       </p:grpSpPr>
       <p:grpSp>
         <p:nvGrpSpPr>
-          <p:cNvPr id="206" name="Group 1"/>
+          <p:cNvPr id="207" name="Group 1"/>
           <p:cNvGrpSpPr/>
           <p:nvPr/>
         </p:nvGrpSpPr>
         <p:grpSpPr>
           <a:xfrm>
             <a:off x="2310480" y="1379880"/>
-            <a:ext cx="4511160" cy="993600"/>
+            <a:ext cx="4510800" cy="993240"/>
             <a:chOff x="2310480" y="1379880"/>
-            <a:chExt cx="4511160" cy="993600"/>
+            <a:chExt cx="4510800" cy="993240"/>
           </a:xfrm>
         </p:grpSpPr>
         <p:grpSp>
           <p:nvGrpSpPr>
-            <p:cNvPr id="207" name="Group 2"/>
+            <p:cNvPr id="208" name="Group 2"/>
             <p:cNvGrpSpPr/>
             <p:nvPr/>
           </p:nvGrpSpPr>
           <p:grpSpPr>
             <a:xfrm>
               <a:off x="2310480" y="1524240"/>
-              <a:ext cx="783360" cy="788760"/>
+              <a:ext cx="783000" cy="788400"/>
               <a:chOff x="2310480" y="1524240"/>
-              <a:chExt cx="783360" cy="788760"/>
+              <a:chExt cx="783000" cy="788400"/>
             </a:xfrm>
           </p:grpSpPr>
           <p:sp>
             <p:nvSpPr>
-              <p:cNvPr id="208" name="CustomShape 3"/>
+              <p:cNvPr id="209" name="CustomShape 3"/>
               <p:cNvSpPr/>
               <p:nvPr/>
             </p:nvSpPr>
             <p:spPr>
               <a:xfrm>
                 <a:off x="2310480" y="1524240"/>
-                <a:ext cx="655920" cy="629280"/>
+                <a:ext cx="655560" cy="628920"/>
               </a:xfrm>
               <a:custGeom>
                 <a:avLst/>
@@ -7742,14 +7821,14 @@
           </p:sp>
           <p:sp>
             <p:nvSpPr>
-              <p:cNvPr id="209" name="CustomShape 4"/>
+              <p:cNvPr id="210" name="CustomShape 4"/>
               <p:cNvSpPr/>
               <p:nvPr/>
             </p:nvSpPr>
             <p:spPr>
               <a:xfrm>
                 <a:off x="2435760" y="1675440"/>
-                <a:ext cx="658080" cy="637560"/>
+                <a:ext cx="657720" cy="637200"/>
               </a:xfrm>
               <a:custGeom>
                 <a:avLst/>
@@ -7815,14 +7894,14 @@
         </p:grpSp>
         <p:sp>
           <p:nvSpPr>
-            <p:cNvPr id="210" name="CustomShape 5"/>
+            <p:cNvPr id="211" name="CustomShape 5"/>
             <p:cNvSpPr/>
             <p:nvPr/>
           </p:nvSpPr>
           <p:spPr>
             <a:xfrm>
               <a:off x="2400480" y="1379880"/>
-              <a:ext cx="4421160" cy="993600"/>
+              <a:ext cx="4420800" cy="993240"/>
             </a:xfrm>
             <a:prstGeom prst="rect">
               <a:avLst/>
@@ -7867,28 +7946,28 @@
       </p:grpSp>
       <p:grpSp>
         <p:nvGrpSpPr>
-          <p:cNvPr id="211" name="Group 6"/>
+          <p:cNvPr id="212" name="Group 6"/>
           <p:cNvGrpSpPr/>
           <p:nvPr/>
         </p:nvGrpSpPr>
         <p:grpSpPr>
           <a:xfrm>
             <a:off x="457200" y="3484800"/>
-            <a:ext cx="3036240" cy="1206000"/>
+            <a:ext cx="3035880" cy="1205640"/>
             <a:chOff x="457200" y="3484800"/>
-            <a:chExt cx="3036240" cy="1206000"/>
+            <a:chExt cx="3035880" cy="1205640"/>
           </a:xfrm>
         </p:grpSpPr>
         <p:sp>
           <p:nvSpPr>
-            <p:cNvPr id="212" name="CustomShape 7"/>
+            <p:cNvPr id="213" name="CustomShape 7"/>
             <p:cNvSpPr/>
             <p:nvPr/>
           </p:nvSpPr>
           <p:spPr>
             <a:xfrm>
               <a:off x="457200" y="4281480"/>
-              <a:ext cx="3036240" cy="409320"/>
+              <a:ext cx="3035880" cy="408960"/>
             </a:xfrm>
             <a:prstGeom prst="rect">
               <a:avLst/>
@@ -7932,7 +8011,7 @@
         </p:sp>
         <p:pic>
           <p:nvPicPr>
-            <p:cNvPr id="213" name="Imagen 5" descr=""/>
+            <p:cNvPr id="214" name="Imagen 5" descr=""/>
             <p:cNvPicPr/>
             <p:nvPr/>
           </p:nvPicPr>
@@ -7945,7 +8024,7 @@
           <p:spPr>
             <a:xfrm>
               <a:off x="924480" y="3484800"/>
-              <a:ext cx="2160720" cy="983520"/>
+              <a:ext cx="2160360" cy="983160"/>
             </a:xfrm>
             <a:prstGeom prst="rect">
               <a:avLst/>
@@ -7958,21 +8037,21 @@
       </p:grpSp>
       <p:grpSp>
         <p:nvGrpSpPr>
-          <p:cNvPr id="214" name="Group 8"/>
+          <p:cNvPr id="215" name="Group 8"/>
           <p:cNvGrpSpPr/>
           <p:nvPr/>
         </p:nvGrpSpPr>
         <p:grpSpPr>
           <a:xfrm>
             <a:off x="5512680" y="3684240"/>
-            <a:ext cx="3036240" cy="1002600"/>
+            <a:ext cx="3035880" cy="1002240"/>
             <a:chOff x="5512680" y="3684240"/>
-            <a:chExt cx="3036240" cy="1002600"/>
+            <a:chExt cx="3035880" cy="1002240"/>
           </a:xfrm>
         </p:grpSpPr>
         <p:pic>
           <p:nvPicPr>
-            <p:cNvPr id="215" name="Imagen 8" descr="Logotipo&#10;&#10;Descripción generada automáticamente"/>
+            <p:cNvPr id="216" name="Imagen 8" descr="Logotipo&#10;&#10;Descripción generada automáticamente"/>
             <p:cNvPicPr/>
             <p:nvPr/>
           </p:nvPicPr>
@@ -7985,7 +8064,7 @@
           <p:spPr>
             <a:xfrm>
               <a:off x="6446520" y="3684240"/>
-              <a:ext cx="1168560" cy="495720"/>
+              <a:ext cx="1168200" cy="495360"/>
             </a:xfrm>
             <a:prstGeom prst="rect">
               <a:avLst/>
@@ -7997,14 +8076,14 @@
         </p:pic>
         <p:sp>
           <p:nvSpPr>
-            <p:cNvPr id="216" name="CustomShape 9"/>
+            <p:cNvPr id="217" name="CustomShape 9"/>
             <p:cNvSpPr/>
             <p:nvPr/>
           </p:nvSpPr>
           <p:spPr>
             <a:xfrm>
               <a:off x="5512680" y="4277520"/>
-              <a:ext cx="3036240" cy="409320"/>
+              <a:ext cx="3035880" cy="408960"/>
             </a:xfrm>
             <a:prstGeom prst="rect">
               <a:avLst/>
@@ -8095,7 +8174,7 @@
                                           </p:stCondLst>
                                         </p:cTn>
                                         <p:tgtEl>
-                                          <p:spTgt spid="206"/>
+                                          <p:spTgt spid="207"/>
                                         </p:tgtEl>
                                         <p:attrNameLst>
                                           <p:attrName>style.visibility</p:attrName>
@@ -8109,7 +8188,7 @@
                                       <p:cBhvr additive="repl">
                                         <p:cTn id="141" dur="1000" fill="hold"/>
                                         <p:tgtEl>
-                                          <p:spTgt spid="206"/>
+                                          <p:spTgt spid="207"/>
                                         </p:tgtEl>
                                         <p:attrNameLst>
                                           <p:attrName>ppt_w</p:attrName>
@@ -8132,7 +8211,7 @@
                                       <p:cBhvr additive="repl">
                                         <p:cTn id="142" dur="1000" fill="hold"/>
                                         <p:tgtEl>
-                                          <p:spTgt spid="206"/>
+                                          <p:spTgt spid="207"/>
                                         </p:tgtEl>
                                         <p:attrNameLst>
                                           <p:attrName>ppt_h</p:attrName>
@@ -8155,7 +8234,7 @@
                                       <p:cBhvr additive="repl">
                                         <p:cTn id="143" dur="1000"/>
                                         <p:tgtEl>
-                                          <p:spTgt spid="206"/>
+                                          <p:spTgt spid="207"/>
                                         </p:tgtEl>
                                       </p:cBhvr>
                                     </p:animEffect>
@@ -8176,7 +8255,7 @@
                                           </p:stCondLst>
                                         </p:cTn>
                                         <p:tgtEl>
-                                          <p:spTgt spid="211"/>
+                                          <p:spTgt spid="212"/>
                                         </p:tgtEl>
                                         <p:attrNameLst>
                                           <p:attrName>style.visibility</p:attrName>
@@ -8190,7 +8269,7 @@
                                       <p:cBhvr additive="repl">
                                         <p:cTn id="146" dur="1000"/>
                                         <p:tgtEl>
-                                          <p:spTgt spid="211"/>
+                                          <p:spTgt spid="212"/>
                                         </p:tgtEl>
                                       </p:cBhvr>
                                     </p:animEffect>
@@ -8198,7 +8277,7 @@
                                       <p:cBhvr additive="repl">
                                         <p:cTn id="147" dur="1000" fill="hold"/>
                                         <p:tgtEl>
-                                          <p:spTgt spid="211"/>
+                                          <p:spTgt spid="212"/>
                                         </p:tgtEl>
                                         <p:attrNameLst>
                                           <p:attrName>ppt_x</p:attrName>
@@ -8221,7 +8300,7 @@
                                       <p:cBhvr additive="repl">
                                         <p:cTn id="148" dur="1000" fill="hold"/>
                                         <p:tgtEl>
-                                          <p:spTgt spid="211"/>
+                                          <p:spTgt spid="212"/>
                                         </p:tgtEl>
                                         <p:attrNameLst>
                                           <p:attrName>ppt_y</p:attrName>
@@ -8257,7 +8336,7 @@
                                           </p:stCondLst>
                                         </p:cTn>
                                         <p:tgtEl>
-                                          <p:spTgt spid="214"/>
+                                          <p:spTgt spid="215"/>
                                         </p:tgtEl>
                                         <p:attrNameLst>
                                           <p:attrName>style.visibility</p:attrName>
@@ -8271,7 +8350,7 @@
                                       <p:cBhvr additive="repl">
                                         <p:cTn id="151" dur="1000"/>
                                         <p:tgtEl>
-                                          <p:spTgt spid="214"/>
+                                          <p:spTgt spid="215"/>
                                         </p:tgtEl>
                                       </p:cBhvr>
                                     </p:animEffect>
@@ -8279,7 +8358,7 @@
                                       <p:cBhvr additive="repl">
                                         <p:cTn id="152" dur="1000" fill="hold"/>
                                         <p:tgtEl>
-                                          <p:spTgt spid="214"/>
+                                          <p:spTgt spid="215"/>
                                         </p:tgtEl>
                                         <p:attrNameLst>
                                           <p:attrName>ppt_x</p:attrName>
@@ -8302,7 +8381,7 @@
                                       <p:cBhvr additive="repl">
                                         <p:cTn id="153" dur="1000" fill="hold"/>
                                         <p:tgtEl>
-                                          <p:spTgt spid="214"/>
+                                          <p:spTgt spid="215"/>
                                         </p:tgtEl>
                                         <p:attrNameLst>
                                           <p:attrName>ppt_y</p:attrName>
@@ -8381,7 +8460,7 @@
         <p:spPr>
           <a:xfrm>
             <a:off x="714240" y="358920"/>
-            <a:ext cx="7710840" cy="567360"/>
+            <a:ext cx="7710480" cy="567000"/>
           </a:xfrm>
           <a:prstGeom prst="rect">
             <a:avLst/>
@@ -8435,7 +8514,7 @@
         <p:spPr>
           <a:xfrm>
             <a:off x="648000" y="540000"/>
-            <a:ext cx="6334200" cy="1323720"/>
+            <a:ext cx="6333840" cy="1323360"/>
           </a:xfrm>
           <a:prstGeom prst="rect">
             <a:avLst/>
@@ -8489,9 +8568,9 @@
         <p:grpSpPr>
           <a:xfrm>
             <a:off x="720000" y="1428840"/>
-            <a:ext cx="7061040" cy="868320"/>
+            <a:ext cx="7060680" cy="867960"/>
             <a:chOff x="720000" y="1428840"/>
-            <a:chExt cx="7061040" cy="868320"/>
+            <a:chExt cx="7060680" cy="867960"/>
           </a:xfrm>
         </p:grpSpPr>
         <p:pic>
@@ -8507,7 +8586,7 @@
           <p:spPr>
             <a:xfrm>
               <a:off x="6774840" y="1460160"/>
-              <a:ext cx="1006200" cy="837000"/>
+              <a:ext cx="1005840" cy="836640"/>
             </a:xfrm>
             <a:prstGeom prst="rect">
               <a:avLst/>
@@ -8526,7 +8605,7 @@
           <p:spPr>
             <a:xfrm>
               <a:off x="720000" y="1428840"/>
-              <a:ext cx="6334200" cy="657360"/>
+              <a:ext cx="6333840" cy="657000"/>
             </a:xfrm>
             <a:prstGeom prst="rect">
               <a:avLst/>
@@ -8560,7 +8639,7 @@
               </a:endParaRPr>
             </a:p>
             <a:p>
-              <a:pPr marL="216000" indent="-212040">
+              <a:pPr marL="216000" indent="-211680">
                 <a:lnSpc>
                   <a:spcPct val="150000"/>
                 </a:lnSpc>
@@ -8609,9 +8688,9 @@
         <p:grpSpPr>
           <a:xfrm>
             <a:off x="720000" y="2443680"/>
-            <a:ext cx="6766200" cy="840240"/>
+            <a:ext cx="6765840" cy="839880"/>
             <a:chOff x="720000" y="2443680"/>
-            <a:chExt cx="6766200" cy="840240"/>
+            <a:chExt cx="6765840" cy="839880"/>
           </a:xfrm>
         </p:grpSpPr>
         <p:pic>
@@ -8627,7 +8706,7 @@
           <p:spPr>
             <a:xfrm>
               <a:off x="7056000" y="2448000"/>
-              <a:ext cx="430200" cy="835920"/>
+              <a:ext cx="429840" cy="835560"/>
             </a:xfrm>
             <a:prstGeom prst="rect">
               <a:avLst/>
@@ -8646,7 +8725,7 @@
           <p:spPr>
             <a:xfrm>
               <a:off x="720000" y="2443680"/>
-              <a:ext cx="6334200" cy="657360"/>
+              <a:ext cx="6333840" cy="657000"/>
             </a:xfrm>
             <a:prstGeom prst="rect">
               <a:avLst/>
@@ -8680,7 +8759,7 @@
               </a:endParaRPr>
             </a:p>
             <a:p>
-              <a:pPr marL="216000" indent="-212040">
+              <a:pPr marL="216000" indent="-211680">
                 <a:lnSpc>
                   <a:spcPct val="150000"/>
                 </a:lnSpc>
@@ -8729,9 +8808,9 @@
         <p:grpSpPr>
           <a:xfrm>
             <a:off x="720000" y="3481200"/>
-            <a:ext cx="6766200" cy="837000"/>
+            <a:ext cx="6765840" cy="836640"/>
             <a:chOff x="720000" y="3481200"/>
-            <a:chExt cx="6766200" cy="837000"/>
+            <a:chExt cx="6765840" cy="836640"/>
           </a:xfrm>
         </p:grpSpPr>
         <p:pic>
@@ -8747,7 +8826,7 @@
           <p:spPr>
             <a:xfrm>
               <a:off x="7056000" y="3481200"/>
-              <a:ext cx="430200" cy="837000"/>
+              <a:ext cx="429840" cy="836640"/>
             </a:xfrm>
             <a:prstGeom prst="rect">
               <a:avLst/>
@@ -8766,7 +8845,7 @@
           <p:spPr>
             <a:xfrm>
               <a:off x="720000" y="3481200"/>
-              <a:ext cx="6334200" cy="657360"/>
+              <a:ext cx="6333840" cy="657000"/>
             </a:xfrm>
             <a:prstGeom prst="rect">
               <a:avLst/>
@@ -8800,7 +8879,7 @@
               </a:endParaRPr>
             </a:p>
             <a:p>
-              <a:pPr marL="216000" indent="-212040">
+              <a:pPr marL="216000" indent="-211680">
                 <a:lnSpc>
                   <a:spcPct val="150000"/>
                 </a:lnSpc>
@@ -9089,7 +9168,7 @@
         <p:spPr>
           <a:xfrm>
             <a:off x="714240" y="358920"/>
-            <a:ext cx="7710840" cy="567360"/>
+            <a:ext cx="7710480" cy="567000"/>
           </a:xfrm>
           <a:prstGeom prst="rect">
             <a:avLst/>
@@ -9143,7 +9222,7 @@
         <p:spPr>
           <a:xfrm>
             <a:off x="648000" y="1008000"/>
-            <a:ext cx="7988040" cy="278280"/>
+            <a:ext cx="7987680" cy="277920"/>
           </a:xfrm>
           <a:prstGeom prst="rect">
             <a:avLst/>
@@ -9197,7 +9276,7 @@
         <p:spPr>
           <a:xfrm>
             <a:off x="648000" y="3315960"/>
-            <a:ext cx="7988040" cy="282240"/>
+            <a:ext cx="7987680" cy="281880"/>
           </a:xfrm>
           <a:prstGeom prst="rect">
             <a:avLst/>
@@ -9251,7 +9330,7 @@
         <p:spPr>
           <a:xfrm>
             <a:off x="648000" y="1366200"/>
-            <a:ext cx="7988040" cy="324000"/>
+            <a:ext cx="7987680" cy="323640"/>
           </a:xfrm>
           <a:prstGeom prst="rect">
             <a:avLst/>
@@ -9285,7 +9364,7 @@
             </a:endParaRPr>
           </a:p>
           <a:p>
-            <a:pPr marL="216000" indent="-212040">
+            <a:pPr marL="216000" indent="-211680">
               <a:lnSpc>
                 <a:spcPct val="115000"/>
               </a:lnSpc>
@@ -9333,7 +9412,7 @@
         <p:spPr>
           <a:xfrm>
             <a:off x="648000" y="1615680"/>
-            <a:ext cx="7988040" cy="1010520"/>
+            <a:ext cx="7987680" cy="1010160"/>
           </a:xfrm>
           <a:prstGeom prst="rect">
             <a:avLst/>
@@ -9367,7 +9446,7 @@
             </a:endParaRPr>
           </a:p>
           <a:p>
-            <a:pPr marL="216000" indent="-212040">
+            <a:pPr marL="216000" indent="-211680">
               <a:lnSpc>
                 <a:spcPct val="115000"/>
               </a:lnSpc>
@@ -9415,7 +9494,7 @@
         <p:spPr>
           <a:xfrm>
             <a:off x="4734000" y="2210760"/>
-            <a:ext cx="178920" cy="344520"/>
+            <a:ext cx="178560" cy="344160"/>
           </a:xfrm>
           <a:prstGeom prst="rect">
             <a:avLst/>
@@ -9441,7 +9520,7 @@
         <p:spPr>
           <a:xfrm>
             <a:off x="648000" y="2520000"/>
-            <a:ext cx="7988040" cy="432000"/>
+            <a:ext cx="7987680" cy="431640"/>
           </a:xfrm>
           <a:prstGeom prst="rect">
             <a:avLst/>
@@ -9475,7 +9554,7 @@
             </a:endParaRPr>
           </a:p>
           <a:p>
-            <a:pPr marL="216000" indent="-212040">
+            <a:pPr marL="216000" indent="-211680">
               <a:lnSpc>
                 <a:spcPct val="115000"/>
               </a:lnSpc>
@@ -9523,7 +9602,7 @@
         <p:spPr>
           <a:xfrm>
             <a:off x="648000" y="3608280"/>
-            <a:ext cx="7988040" cy="421920"/>
+            <a:ext cx="7987680" cy="421560"/>
           </a:xfrm>
           <a:prstGeom prst="rect">
             <a:avLst/>
@@ -9557,7 +9636,7 @@
             </a:endParaRPr>
           </a:p>
           <a:p>
-            <a:pPr marL="216000" indent="-212040">
+            <a:pPr marL="216000" indent="-211680">
               <a:lnSpc>
                 <a:spcPct val="115000"/>
               </a:lnSpc>
@@ -9605,7 +9684,7 @@
         <p:spPr>
           <a:xfrm>
             <a:off x="648000" y="4104000"/>
-            <a:ext cx="7988040" cy="430200"/>
+            <a:ext cx="7987680" cy="429840"/>
           </a:xfrm>
           <a:prstGeom prst="rect">
             <a:avLst/>
@@ -9639,7 +9718,7 @@
             </a:endParaRPr>
           </a:p>
           <a:p>
-            <a:pPr marL="216000" indent="-212040">
+            <a:pPr marL="216000" indent="-211680">
               <a:lnSpc>
                 <a:spcPct val="115000"/>
               </a:lnSpc>
@@ -10062,7 +10141,7 @@
         <p:spPr>
           <a:xfrm>
             <a:off x="714240" y="358920"/>
-            <a:ext cx="7710840" cy="567360"/>
+            <a:ext cx="7710480" cy="567000"/>
           </a:xfrm>
           <a:prstGeom prst="rect">
             <a:avLst/>
@@ -10116,7 +10195,7 @@
         <p:spPr>
           <a:xfrm>
             <a:off x="648000" y="1008000"/>
-            <a:ext cx="8348040" cy="286920"/>
+            <a:ext cx="8347680" cy="286560"/>
           </a:xfrm>
           <a:prstGeom prst="rect">
             <a:avLst/>
@@ -10170,7 +10249,7 @@
         <p:spPr>
           <a:xfrm>
             <a:off x="648000" y="3135960"/>
-            <a:ext cx="7988040" cy="462960"/>
+            <a:ext cx="7987680" cy="462600"/>
           </a:xfrm>
           <a:prstGeom prst="rect">
             <a:avLst/>
@@ -10224,7 +10303,7 @@
         <p:spPr>
           <a:xfrm>
             <a:off x="756000" y="1222200"/>
-            <a:ext cx="8024040" cy="432720"/>
+            <a:ext cx="8023680" cy="432360"/>
           </a:xfrm>
           <a:prstGeom prst="rect">
             <a:avLst/>
@@ -10258,7 +10337,7 @@
             </a:endParaRPr>
           </a:p>
           <a:p>
-            <a:pPr marL="216000" indent="-212040">
+            <a:pPr marL="216000" indent="-211680">
               <a:lnSpc>
                 <a:spcPct val="115000"/>
               </a:lnSpc>
@@ -10306,7 +10385,7 @@
         <p:spPr>
           <a:xfrm>
             <a:off x="756000" y="1728000"/>
-            <a:ext cx="8024040" cy="590760"/>
+            <a:ext cx="8023680" cy="590400"/>
           </a:xfrm>
           <a:prstGeom prst="rect">
             <a:avLst/>
@@ -10353,7 +10432,7 @@
             </a:endParaRPr>
           </a:p>
           <a:p>
-            <a:pPr marL="216000" indent="-212040">
+            <a:pPr marL="216000" indent="-211680">
               <a:lnSpc>
                 <a:spcPct val="115000"/>
               </a:lnSpc>
@@ -10401,7 +10480,7 @@
         <p:spPr>
           <a:xfrm>
             <a:off x="756000" y="3135960"/>
-            <a:ext cx="7988040" cy="1323720"/>
+            <a:ext cx="7987680" cy="1323360"/>
           </a:xfrm>
           <a:prstGeom prst="rect">
             <a:avLst/>
@@ -10435,7 +10514,7 @@
             </a:endParaRPr>
           </a:p>
           <a:p>
-            <a:pPr marL="216000" indent="-212040">
+            <a:pPr marL="216000" indent="-211680">
               <a:lnSpc>
                 <a:spcPct val="115000"/>
               </a:lnSpc>
@@ -10768,7 +10847,7 @@
         <p:spPr>
           <a:xfrm>
             <a:off x="648000" y="900000"/>
-            <a:ext cx="7988040" cy="1323720"/>
+            <a:ext cx="7987680" cy="1323360"/>
           </a:xfrm>
           <a:prstGeom prst="rect">
             <a:avLst/>
@@ -10822,7 +10901,7 @@
         <p:spPr>
           <a:xfrm>
             <a:off x="714240" y="359280"/>
-            <a:ext cx="7710840" cy="567360"/>
+            <a:ext cx="7710480" cy="567000"/>
           </a:xfrm>
           <a:prstGeom prst="rect">
             <a:avLst/>
@@ -10876,7 +10955,7 @@
         <p:spPr>
           <a:xfrm>
             <a:off x="1391760" y="4536000"/>
-            <a:ext cx="2528280" cy="309600"/>
+            <a:ext cx="2527920" cy="309240"/>
           </a:xfrm>
           <a:prstGeom prst="rect">
             <a:avLst/>
@@ -10936,7 +11015,7 @@
         <p:spPr>
           <a:xfrm>
             <a:off x="7138080" y="4629600"/>
-            <a:ext cx="1786680" cy="262800"/>
+            <a:ext cx="1786320" cy="262440"/>
           </a:xfrm>
           <a:prstGeom prst="rect">
             <a:avLst/>
@@ -10955,7 +11034,7 @@
         <p:spPr>
           <a:xfrm>
             <a:off x="648000" y="1764360"/>
-            <a:ext cx="7988040" cy="1323720"/>
+            <a:ext cx="7987680" cy="1323360"/>
           </a:xfrm>
           <a:prstGeom prst="rect">
             <a:avLst/>
@@ -10989,7 +11068,7 @@
             </a:endParaRPr>
           </a:p>
           <a:p>
-            <a:pPr marL="216000" indent="-212040">
+            <a:pPr marL="216000" indent="-211680">
               <a:lnSpc>
                 <a:spcPct val="150000"/>
               </a:lnSpc>
@@ -11027,7 +11106,7 @@
         <p:spPr>
           <a:xfrm>
             <a:off x="648000" y="2592360"/>
-            <a:ext cx="7988040" cy="790560"/>
+            <a:ext cx="7987680" cy="790200"/>
           </a:xfrm>
           <a:prstGeom prst="rect">
             <a:avLst/>
@@ -11061,7 +11140,7 @@
             </a:endParaRPr>
           </a:p>
           <a:p>
-            <a:pPr marL="216000" indent="-212040">
+            <a:pPr marL="216000" indent="-211680">
               <a:lnSpc>
                 <a:spcPct val="150000"/>
               </a:lnSpc>
@@ -11314,7 +11393,7 @@
         <p:spPr>
           <a:xfrm>
             <a:off x="648000" y="1080000"/>
-            <a:ext cx="7988040" cy="639720"/>
+            <a:ext cx="7987680" cy="639360"/>
           </a:xfrm>
           <a:prstGeom prst="rect">
             <a:avLst/>
@@ -11361,7 +11440,7 @@
             </a:endParaRPr>
           </a:p>
           <a:p>
-            <a:pPr marL="216000" indent="-212040">
+            <a:pPr marL="216000" indent="-211680">
               <a:lnSpc>
                 <a:spcPct val="150000"/>
               </a:lnSpc>
@@ -11421,7 +11500,7 @@
         <p:spPr>
           <a:xfrm>
             <a:off x="354240" y="359280"/>
-            <a:ext cx="7710840" cy="567360"/>
+            <a:ext cx="7710480" cy="567000"/>
           </a:xfrm>
           <a:prstGeom prst="rect">
             <a:avLst/>
@@ -11532,7 +11611,7 @@
         <p:spPr>
           <a:xfrm>
             <a:off x="7137720" y="4629600"/>
-            <a:ext cx="1786680" cy="262800"/>
+            <a:ext cx="1786320" cy="262440"/>
           </a:xfrm>
           <a:prstGeom prst="rect">
             <a:avLst/>
@@ -11551,7 +11630,7 @@
         <p:spPr>
           <a:xfrm>
             <a:off x="648000" y="1478160"/>
-            <a:ext cx="7988040" cy="1323720"/>
+            <a:ext cx="7987680" cy="1323360"/>
           </a:xfrm>
           <a:prstGeom prst="rect">
             <a:avLst/>
@@ -11598,7 +11677,7 @@
             </a:endParaRPr>
           </a:p>
           <a:p>
-            <a:pPr marL="216000" indent="-212040">
+            <a:pPr marL="216000" indent="-211680">
               <a:lnSpc>
                 <a:spcPct val="150000"/>
               </a:lnSpc>
@@ -11636,7 +11715,7 @@
         <p:spPr>
           <a:xfrm>
             <a:off x="648000" y="2247480"/>
-            <a:ext cx="7988040" cy="1323720"/>
+            <a:ext cx="7987680" cy="1323360"/>
           </a:xfrm>
           <a:prstGeom prst="rect">
             <a:avLst/>
@@ -11683,7 +11762,7 @@
             </a:endParaRPr>
           </a:p>
           <a:p>
-            <a:pPr marL="216000" indent="-212040">
+            <a:pPr marL="216000" indent="-211680">
               <a:lnSpc>
                 <a:spcPct val="150000"/>
               </a:lnSpc>
@@ -11926,7 +12005,7 @@
         <p:spPr>
           <a:xfrm>
             <a:off x="468000" y="828000"/>
-            <a:ext cx="8240400" cy="1323720"/>
+            <a:ext cx="8240040" cy="1323360"/>
           </a:xfrm>
           <a:prstGeom prst="rect">
             <a:avLst/>
@@ -11993,7 +12072,7 @@
         <p:spPr>
           <a:xfrm>
             <a:off x="354240" y="359280"/>
-            <a:ext cx="7710840" cy="567360"/>
+            <a:ext cx="7710480" cy="567000"/>
           </a:xfrm>
           <a:prstGeom prst="rect">
             <a:avLst/>
@@ -12051,7 +12130,7 @@
         <p:spPr>
           <a:xfrm>
             <a:off x="8424000" y="4392000"/>
-            <a:ext cx="572400" cy="572400"/>
+            <a:ext cx="572040" cy="572040"/>
           </a:xfrm>
           <a:prstGeom prst="rect">
             <a:avLst/>
@@ -12126,7 +12205,7 @@
         <p:spPr>
           <a:xfrm>
             <a:off x="468000" y="2196000"/>
-            <a:ext cx="8240400" cy="438840"/>
+            <a:ext cx="8240040" cy="438480"/>
           </a:xfrm>
           <a:prstGeom prst="rect">
             <a:avLst/>
@@ -12160,7 +12239,7 @@
             </a:endParaRPr>
           </a:p>
           <a:p>
-            <a:pPr marL="216000" indent="-212040">
+            <a:pPr marL="216000" indent="-211680">
               <a:lnSpc>
                 <a:spcPct val="150000"/>
               </a:lnSpc>
@@ -12198,7 +12277,7 @@
         <p:spPr>
           <a:xfrm>
             <a:off x="468000" y="2395080"/>
-            <a:ext cx="8240400" cy="1323720"/>
+            <a:ext cx="8240040" cy="1323360"/>
           </a:xfrm>
           <a:prstGeom prst="rect">
             <a:avLst/>
@@ -12232,7 +12311,7 @@
             </a:endParaRPr>
           </a:p>
           <a:p>
-            <a:pPr marL="216000" indent="-212040">
+            <a:pPr marL="216000" indent="-211680">
               <a:lnSpc>
                 <a:spcPct val="150000"/>
               </a:lnSpc>
@@ -12270,7 +12349,7 @@
         <p:spPr>
           <a:xfrm>
             <a:off x="468000" y="3211920"/>
-            <a:ext cx="8240400" cy="1323720"/>
+            <a:ext cx="8240040" cy="1323360"/>
           </a:xfrm>
           <a:prstGeom prst="rect">
             <a:avLst/>
@@ -12304,7 +12383,7 @@
             </a:endParaRPr>
           </a:p>
           <a:p>
-            <a:pPr marL="216000" indent="-212040">
+            <a:pPr marL="216000" indent="-211680">
               <a:lnSpc>
                 <a:spcPct val="150000"/>
               </a:lnSpc>
@@ -12582,7 +12661,7 @@
         <p:spPr>
           <a:xfrm>
             <a:off x="468000" y="972000"/>
-            <a:ext cx="8240400" cy="999720"/>
+            <a:ext cx="8240040" cy="999360"/>
           </a:xfrm>
           <a:prstGeom prst="rect">
             <a:avLst/>
@@ -12649,7 +12728,7 @@
         <p:spPr>
           <a:xfrm>
             <a:off x="354240" y="359280"/>
-            <a:ext cx="7710840" cy="567360"/>
+            <a:ext cx="7710480" cy="567000"/>
           </a:xfrm>
           <a:prstGeom prst="rect">
             <a:avLst/>
@@ -12707,7 +12786,7 @@
         <p:spPr>
           <a:xfrm>
             <a:off x="8464680" y="4464000"/>
-            <a:ext cx="459720" cy="459720"/>
+            <a:ext cx="459360" cy="459360"/>
           </a:xfrm>
           <a:prstGeom prst="rect">
             <a:avLst/>
@@ -12726,7 +12805,7 @@
         <p:spPr>
           <a:xfrm>
             <a:off x="2793960" y="4953240"/>
-            <a:ext cx="177120" cy="342720"/>
+            <a:ext cx="176760" cy="342360"/>
           </a:xfrm>
           <a:prstGeom prst="rect">
             <a:avLst/>
@@ -12808,7 +12887,7 @@
         <p:spPr>
           <a:xfrm>
             <a:off x="468000" y="1800000"/>
-            <a:ext cx="8240400" cy="669960"/>
+            <a:ext cx="8240040" cy="669600"/>
           </a:xfrm>
           <a:prstGeom prst="rect">
             <a:avLst/>
@@ -12842,7 +12921,7 @@
             </a:endParaRPr>
           </a:p>
           <a:p>
-            <a:pPr marL="216000" indent="-212040">
+            <a:pPr marL="216000" indent="-211680">
               <a:lnSpc>
                 <a:spcPct val="150000"/>
               </a:lnSpc>
@@ -12891,7 +12970,7 @@
         <p:spPr>
           <a:xfrm>
             <a:off x="468000" y="1907280"/>
-            <a:ext cx="8240400" cy="1323720"/>
+            <a:ext cx="8240040" cy="1323360"/>
           </a:xfrm>
           <a:prstGeom prst="rect">
             <a:avLst/>
@@ -12925,7 +13004,7 @@
             </a:endParaRPr>
           </a:p>
           <a:p>
-            <a:pPr marL="216000" indent="-212040">
+            <a:pPr marL="216000" indent="-211680">
               <a:lnSpc>
                 <a:spcPct val="150000"/>
               </a:lnSpc>
@@ -12963,7 +13042,7 @@
         <p:spPr>
           <a:xfrm>
             <a:off x="468000" y="2700000"/>
-            <a:ext cx="8240400" cy="1131120"/>
+            <a:ext cx="8240040" cy="1130760"/>
           </a:xfrm>
           <a:prstGeom prst="rect">
             <a:avLst/>
@@ -12997,7 +13076,7 @@
             </a:endParaRPr>
           </a:p>
           <a:p>
-            <a:pPr marL="216000" indent="-212040">
+            <a:pPr marL="216000" indent="-211680">
               <a:lnSpc>
                 <a:spcPct val="150000"/>
               </a:lnSpc>
@@ -13025,7 +13104,7 @@
             </a:endParaRPr>
           </a:p>
           <a:p>
-            <a:pPr marL="216000" indent="-212040">
+            <a:pPr marL="216000" indent="-211680">
               <a:lnSpc>
                 <a:spcPct val="150000"/>
               </a:lnSpc>
@@ -13093,7 +13172,7 @@
         <p:spPr>
           <a:xfrm>
             <a:off x="138240" y="359280"/>
-            <a:ext cx="7710840" cy="567360"/>
+            <a:ext cx="7710480" cy="567000"/>
           </a:xfrm>
           <a:prstGeom prst="rect">
             <a:avLst/>
@@ -13151,7 +13230,7 @@
         <p:spPr>
           <a:xfrm>
             <a:off x="8424000" y="4392000"/>
-            <a:ext cx="572400" cy="572400"/>
+            <a:ext cx="572040" cy="572040"/>
           </a:xfrm>
           <a:prstGeom prst="rect">
             <a:avLst/>
@@ -13230,7 +13309,7 @@
         <p:spPr>
           <a:xfrm>
             <a:off x="4968000" y="1186920"/>
-            <a:ext cx="3742920" cy="1143000"/>
+            <a:ext cx="3742560" cy="1142640"/>
           </a:xfrm>
           <a:prstGeom prst="rect">
             <a:avLst/>
@@ -13253,7 +13332,7 @@
         <p:spPr>
           <a:xfrm>
             <a:off x="4968000" y="2646720"/>
-            <a:ext cx="1798920" cy="233640"/>
+            <a:ext cx="1798560" cy="233280"/>
           </a:xfrm>
           <a:prstGeom prst="rect">
             <a:avLst/>
@@ -13276,7 +13355,7 @@
         <p:spPr>
           <a:xfrm>
             <a:off x="4968000" y="3123360"/>
-            <a:ext cx="3958920" cy="1267560"/>
+            <a:ext cx="3958560" cy="1267200"/>
           </a:xfrm>
           <a:prstGeom prst="rect">
             <a:avLst/>
@@ -13299,7 +13378,7 @@
         <p:spPr>
           <a:xfrm>
             <a:off x="540000" y="3288960"/>
-            <a:ext cx="2518920" cy="1101960"/>
+            <a:ext cx="2518560" cy="1101600"/>
           </a:xfrm>
           <a:prstGeom prst="rect">
             <a:avLst/>
@@ -13322,7 +13401,7 @@
         <p:spPr>
           <a:xfrm>
             <a:off x="504000" y="1008000"/>
-            <a:ext cx="3958920" cy="1593720"/>
+            <a:ext cx="3958560" cy="1593360"/>
           </a:xfrm>
           <a:prstGeom prst="rect">
             <a:avLst/>
